--- a/Apresentacao-Helpin-Final.pptx
+++ b/Apresentacao-Helpin-Final.pptx
@@ -28,7 +28,7 @@
     <p:sldId id="264" r:id="rId19"/>
     <p:sldId id="265" r:id="rId20"/>
     <p:sldId id="266" r:id="rId21"/>
-    <p:sldId id="267" r:id="rId22"/>
+    <p:sldId id="278" r:id="rId22"/>
   </p:sldIdLst>
   <p:sldSz cx="12192000" cy="6858000"/>
   <p:notesSz cx="6858000" cy="9144000"/>
@@ -266,7 +266,7 @@
       <p15:sldGuideLst xmlns:p15="http://schemas.microsoft.com/office/powerpoint/2012/main"/>
     </p:ext>
     <p:ext uri="http://customooxmlschemas.google.com/">
-      <go:slidesCustomData xmlns="" xmlns:mc="http://schemas.openxmlformats.org/markup-compatibility/2006" xmlns:mv="urn:schemas-microsoft-com:mac:vml" xmlns:c="http://schemas.openxmlformats.org/drawingml/2006/chart" xmlns:dgm="http://schemas.openxmlformats.org/drawingml/2006/diagram" xmlns:o="urn:schemas-microsoft-com:office:office" xmlns:v="urn:schemas-microsoft-com:vml" xmlns:pvml="urn:schemas-microsoft-com:office:powerpoint" xmlns:com="http://schemas.openxmlformats.org/drawingml/2006/compatibility" xmlns:p14="http://schemas.microsoft.com/office/powerpoint/2010/main" xmlns:p15="http://schemas.microsoft.com/office/powerpoint/2012/main" xmlns:go="http://customooxmlschemas.google.com/" r:id="rId24" roundtripDataSignature="AMtx7mjvqM9Hckk74KvSIWiaikHeFyDZ0A=="/>
+      <go:slidesCustomData xmlns:go="http://customooxmlschemas.google.com/" xmlns:p15="http://schemas.microsoft.com/office/powerpoint/2012/main" xmlns:p14="http://schemas.microsoft.com/office/powerpoint/2010/main" xmlns:com="http://schemas.openxmlformats.org/drawingml/2006/compatibility" xmlns:pvml="urn:schemas-microsoft-com:office:powerpoint" xmlns:v="urn:schemas-microsoft-com:vml" xmlns:o="urn:schemas-microsoft-com:office:office" xmlns:dgm="http://schemas.openxmlformats.org/drawingml/2006/diagram" xmlns:c="http://schemas.openxmlformats.org/drawingml/2006/chart" xmlns:mv="urn:schemas-microsoft-com:mac:vml" xmlns:mc="http://schemas.openxmlformats.org/markup-compatibility/2006" xmlns="" r:id="rId24" roundtripDataSignature="AMtx7mjvqM9Hckk74KvSIWiaikHeFyDZ0A=="/>
     </p:ext>
   </p:extLst>
 </p:presentation>
@@ -2098,7 +2098,7 @@
   <p:cSld>
     <p:spTree>
       <p:nvGrpSpPr>
-        <p:cNvPr id="1" name="Shape 214"/>
+        <p:cNvPr id="1" name="Shape 80"/>
         <p:cNvGrpSpPr/>
         <p:nvPr/>
       </p:nvGrpSpPr>
@@ -2112,7 +2112,7 @@
       </p:grpSpPr>
       <p:sp>
         <p:nvSpPr>
-          <p:cNvPr id="215" name="Google Shape;215;g5b93e47ffc_0_60:notes"/>
+          <p:cNvPr id="81" name="Google Shape;81;p1:notes"/>
           <p:cNvSpPr txBox="1">
             <a:spLocks noGrp="1"/>
           </p:cNvSpPr>
@@ -2150,7 +2150,7 @@
       </p:sp>
       <p:sp>
         <p:nvSpPr>
-          <p:cNvPr id="216" name="Google Shape;216;g5b93e47ffc_0_60:notes"/>
+          <p:cNvPr id="82" name="Google Shape;82;p1:notes"/>
           <p:cNvSpPr>
             <a:spLocks noGrp="1" noRot="1" noChangeAspect="1"/>
           </p:cNvSpPr>
@@ -2160,8 +2160,8 @@
         </p:nvSpPr>
         <p:spPr>
           <a:xfrm>
-            <a:off x="1143225" y="685800"/>
-            <a:ext cx="4572300" cy="3429000"/>
+            <a:off x="381000" y="685800"/>
+            <a:ext cx="6096000" cy="3429000"/>
           </a:xfrm>
           <a:custGeom>
             <a:avLst/>
@@ -2190,6 +2190,11 @@
         </p:spPr>
       </p:sp>
     </p:spTree>
+    <p:extLst>
+      <p:ext uri="{BB962C8B-B14F-4D97-AF65-F5344CB8AC3E}">
+        <p14:creationId xmlns:p14="http://schemas.microsoft.com/office/powerpoint/2010/main" val="515792926"/>
+      </p:ext>
+    </p:extLst>
   </p:cSld>
   <p:clrMapOvr>
     <a:masterClrMapping/>
@@ -13732,7 +13737,7 @@
         </p:nvSpPr>
         <p:spPr>
           <a:xfrm>
-            <a:off x="738100" y="3235925"/>
+            <a:off x="738100" y="3074125"/>
             <a:ext cx="6310500" cy="1541700"/>
           </a:xfrm>
           <a:prstGeom prst="rect">
@@ -13762,7 +13767,7 @@
               <a:buNone/>
             </a:pPr>
             <a:r>
-              <a:rPr lang="pt-BR" sz="2400" b="1">
+              <a:rPr lang="pt-BR" sz="2400" b="1" dirty="0">
                 <a:latin typeface="Nunito"/>
                 <a:ea typeface="Nunito"/>
                 <a:cs typeface="Nunito"/>
@@ -13771,7 +13776,7 @@
               <a:t>Alunos</a:t>
             </a:r>
             <a:r>
-              <a:rPr lang="pt-BR" sz="2200" b="1">
+              <a:rPr lang="pt-BR" sz="2200" b="1" dirty="0">
                 <a:latin typeface="Nunito"/>
                 <a:ea typeface="Nunito"/>
                 <a:cs typeface="Nunito"/>
@@ -13779,7 +13784,7 @@
               </a:rPr>
               <a:t>:</a:t>
             </a:r>
-            <a:endParaRPr sz="2200" b="1">
+            <a:endParaRPr sz="2200" b="1" dirty="0">
               <a:latin typeface="Nunito"/>
               <a:ea typeface="Nunito"/>
               <a:cs typeface="Nunito"/>
@@ -13797,7 +13802,7 @@
               <a:buNone/>
             </a:pPr>
             <a:r>
-              <a:rPr lang="pt-BR" sz="2200">
+              <a:rPr lang="pt-BR" sz="2200" dirty="0">
                 <a:latin typeface="Nunito"/>
                 <a:ea typeface="Nunito"/>
                 <a:cs typeface="Nunito"/>
@@ -13805,7 +13810,7 @@
               </a:rPr>
               <a:t>Efraim de Andrade Morais Junior</a:t>
             </a:r>
-            <a:endParaRPr sz="2200">
+            <a:endParaRPr sz="2200" dirty="0">
               <a:latin typeface="Nunito"/>
               <a:ea typeface="Nunito"/>
               <a:cs typeface="Nunito"/>
@@ -13823,15 +13828,33 @@
               <a:buNone/>
             </a:pPr>
             <a:r>
-              <a:rPr lang="pt-BR" sz="2200">
+              <a:rPr lang="pt-BR" sz="2200" dirty="0">
                 <a:latin typeface="Nunito"/>
                 <a:ea typeface="Nunito"/>
                 <a:cs typeface="Nunito"/>
                 <a:sym typeface="Nunito"/>
               </a:rPr>
-              <a:t>Gabriel Dissotti do Nascimento Rodrigues</a:t>
+              <a:t>Gabriel </a:t>
             </a:r>
-            <a:endParaRPr sz="2200">
+            <a:r>
+              <a:rPr lang="pt-BR" sz="2200" dirty="0" err="1">
+                <a:latin typeface="Nunito"/>
+                <a:ea typeface="Nunito"/>
+                <a:cs typeface="Nunito"/>
+                <a:sym typeface="Nunito"/>
+              </a:rPr>
+              <a:t>Dissotti</a:t>
+            </a:r>
+            <a:r>
+              <a:rPr lang="pt-BR" sz="2200" dirty="0">
+                <a:latin typeface="Nunito"/>
+                <a:ea typeface="Nunito"/>
+                <a:cs typeface="Nunito"/>
+                <a:sym typeface="Nunito"/>
+              </a:rPr>
+              <a:t> do Nascimento Rodrigues</a:t>
+            </a:r>
+            <a:endParaRPr sz="2200" dirty="0">
               <a:latin typeface="Nunito"/>
               <a:ea typeface="Nunito"/>
               <a:cs typeface="Nunito"/>
@@ -13849,16 +13872,34 @@
               <a:buNone/>
             </a:pPr>
             <a:r>
-              <a:rPr lang="pt-BR" sz="2200">
+              <a:rPr lang="pt-BR" sz="2200" dirty="0">
                 <a:latin typeface="Nunito"/>
                 <a:ea typeface="Nunito"/>
                 <a:cs typeface="Nunito"/>
                 <a:sym typeface="Nunito"/>
               </a:rPr>
-              <a:t>Marcos Dissotti </a:t>
+              <a:t>Marcos </a:t>
             </a:r>
             <a:r>
-              <a:rPr lang="pt-BR" sz="2200">
+              <a:rPr lang="pt-BR" sz="2200" dirty="0" err="1">
+                <a:latin typeface="Nunito"/>
+                <a:ea typeface="Nunito"/>
+                <a:cs typeface="Nunito"/>
+                <a:sym typeface="Nunito"/>
+              </a:rPr>
+              <a:t>Dissotti</a:t>
+            </a:r>
+            <a:r>
+              <a:rPr lang="pt-BR" sz="2200" dirty="0">
+                <a:latin typeface="Nunito"/>
+                <a:ea typeface="Nunito"/>
+                <a:cs typeface="Nunito"/>
+                <a:sym typeface="Nunito"/>
+              </a:rPr>
+              <a:t> </a:t>
+            </a:r>
+            <a:r>
+              <a:rPr lang="pt-BR" sz="2200" dirty="0">
                 <a:solidFill>
                   <a:schemeClr val="dk1"/>
                 </a:solidFill>
@@ -13869,7 +13910,7 @@
               </a:rPr>
               <a:t>do Nascimento Rodrigues</a:t>
             </a:r>
-            <a:endParaRPr sz="2200">
+            <a:endParaRPr sz="2200" dirty="0">
               <a:latin typeface="Nunito"/>
               <a:ea typeface="Nunito"/>
               <a:cs typeface="Nunito"/>
@@ -13886,8 +13927,8 @@
         </p:nvSpPr>
         <p:spPr>
           <a:xfrm>
-            <a:off x="718600" y="4939425"/>
-            <a:ext cx="8444400" cy="1541700"/>
+            <a:off x="718600" y="4725780"/>
+            <a:ext cx="8444400" cy="1841888"/>
           </a:xfrm>
           <a:prstGeom prst="rect">
             <a:avLst/>
@@ -13903,60 +13944,13 @@
           </a:bodyPr>
           <a:lstStyle/>
           <a:p>
-            <a:pPr marL="0" lvl="0" indent="0" algn="l" rtl="0">
+            <a:pPr lvl="0">
               <a:lnSpc>
                 <a:spcPct val="115000"/>
               </a:lnSpc>
-              <a:spcBef>
-                <a:spcPts val="0"/>
-              </a:spcBef>
-              <a:spcAft>
-                <a:spcPts val="0"/>
-              </a:spcAft>
-              <a:buNone/>
             </a:pPr>
             <a:r>
-              <a:rPr lang="pt-BR" sz="2400" b="1">
-                <a:latin typeface="Nunito"/>
-                <a:ea typeface="Nunito"/>
-                <a:cs typeface="Nunito"/>
-                <a:sym typeface="Nunito"/>
-              </a:rPr>
-              <a:t>Banca</a:t>
-            </a:r>
-            <a:r>
-              <a:rPr lang="pt-BR" sz="2200" b="1">
-                <a:latin typeface="Nunito"/>
-                <a:ea typeface="Nunito"/>
-                <a:cs typeface="Nunito"/>
-                <a:sym typeface="Nunito"/>
-              </a:rPr>
-              <a:t>:</a:t>
-            </a:r>
-            <a:endParaRPr sz="2200" b="1">
-              <a:latin typeface="Nunito"/>
-              <a:ea typeface="Nunito"/>
-              <a:cs typeface="Nunito"/>
-              <a:sym typeface="Nunito"/>
-            </a:endParaRPr>
-          </a:p>
-          <a:p>
-            <a:pPr marL="0" lvl="0" indent="0" algn="l" rtl="0">
-              <a:spcBef>
-                <a:spcPts val="0"/>
-              </a:spcBef>
-              <a:spcAft>
-                <a:spcPts val="0"/>
-              </a:spcAft>
-              <a:buClr>
-                <a:schemeClr val="dk1"/>
-              </a:buClr>
-              <a:buSzPts val="1100"/>
-              <a:buFont typeface="Arial"/>
-              <a:buNone/>
-            </a:pPr>
-            <a:r>
-              <a:rPr lang="pt-BR" sz="2200" b="1">
+              <a:rPr lang="pt-BR" sz="2400" b="1" dirty="0">
                 <a:solidFill>
                   <a:schemeClr val="dk1"/>
                 </a:solidFill>
@@ -13968,7 +13962,7 @@
               <a:t>Orientadora</a:t>
             </a:r>
             <a:r>
-              <a:rPr lang="pt-BR" sz="2200">
+              <a:rPr lang="pt-BR" sz="2400" dirty="0">
                 <a:solidFill>
                   <a:schemeClr val="dk1"/>
                 </a:solidFill>
@@ -13977,9 +13971,33 @@
                 <a:cs typeface="Nunito"/>
                 <a:sym typeface="Nunito"/>
               </a:rPr>
-              <a:t>: Prof.ª Dr.ª Andressa Silvério Terra França</a:t>
+              <a:t>: Prof.ª Dr.</a:t>
             </a:r>
-            <a:endParaRPr sz="2200">
+            <a:r>
+              <a:rPr lang="pt-BR" sz="2400" dirty="0" err="1">
+                <a:solidFill>
+                  <a:schemeClr val="dk1"/>
+                </a:solidFill>
+                <a:latin typeface="Nunito"/>
+                <a:ea typeface="Nunito"/>
+                <a:cs typeface="Nunito"/>
+                <a:sym typeface="Nunito"/>
+              </a:rPr>
+              <a:t>ª</a:t>
+            </a:r>
+            <a:r>
+              <a:rPr lang="pt-BR" sz="2400" dirty="0">
+                <a:solidFill>
+                  <a:schemeClr val="dk1"/>
+                </a:solidFill>
+                <a:latin typeface="Nunito"/>
+                <a:ea typeface="Nunito"/>
+                <a:cs typeface="Nunito"/>
+                <a:sym typeface="Nunito"/>
+              </a:rPr>
+              <a:t> Andressa Silvério Terra França</a:t>
+            </a:r>
+            <a:endParaRPr lang="pt-BR" sz="2400" b="1" dirty="0">
               <a:latin typeface="Nunito"/>
               <a:ea typeface="Nunito"/>
               <a:cs typeface="Nunito"/>
@@ -13988,6 +14006,9 @@
           </a:p>
           <a:p>
             <a:pPr marL="0" lvl="0" indent="0" algn="l" rtl="0">
+              <a:lnSpc>
+                <a:spcPct val="115000"/>
+              </a:lnSpc>
               <a:spcBef>
                 <a:spcPts val="0"/>
               </a:spcBef>
@@ -13997,15 +14018,24 @@
               <a:buNone/>
             </a:pPr>
             <a:r>
-              <a:rPr lang="pt-BR" sz="2200">
+              <a:rPr lang="pt-BR" sz="2400" b="1" dirty="0">
                 <a:latin typeface="Nunito"/>
                 <a:ea typeface="Nunito"/>
                 <a:cs typeface="Nunito"/>
                 <a:sym typeface="Nunito"/>
               </a:rPr>
-              <a:t>Prof. Me. Ademar Soares Castelo Branco</a:t>
+              <a:t>Banca</a:t>
             </a:r>
-            <a:endParaRPr sz="2200">
+            <a:r>
+              <a:rPr lang="pt-BR" sz="2200" b="1" dirty="0">
+                <a:latin typeface="Nunito"/>
+                <a:ea typeface="Nunito"/>
+                <a:cs typeface="Nunito"/>
+                <a:sym typeface="Nunito"/>
+              </a:rPr>
+              <a:t>:</a:t>
+            </a:r>
+            <a:endParaRPr sz="2200" dirty="0">
               <a:latin typeface="Nunito"/>
               <a:ea typeface="Nunito"/>
               <a:cs typeface="Nunito"/>
@@ -14020,23 +14050,27 @@
               <a:spcAft>
                 <a:spcPts val="0"/>
               </a:spcAft>
-              <a:buClr>
-                <a:schemeClr val="dk1"/>
-              </a:buClr>
-              <a:buSzPts val="1100"/>
-              <a:buFont typeface="Arial"/>
               <a:buNone/>
             </a:pPr>
             <a:r>
-              <a:rPr lang="pt-BR" sz="2200">
+              <a:rPr lang="pt-BR" sz="2200" dirty="0">
                 <a:latin typeface="Nunito"/>
                 <a:ea typeface="Nunito"/>
                 <a:cs typeface="Nunito"/>
                 <a:sym typeface="Nunito"/>
               </a:rPr>
-              <a:t>Prof. Esp. Celso Corazza</a:t>
+              <a:t>Prof. Me. Andréia Rodrigues </a:t>
             </a:r>
-            <a:endParaRPr sz="2200">
+            <a:r>
+              <a:rPr lang="pt-BR" sz="2200" dirty="0" err="1">
+                <a:latin typeface="Nunito"/>
+                <a:ea typeface="Nunito"/>
+                <a:cs typeface="Nunito"/>
+                <a:sym typeface="Nunito"/>
+              </a:rPr>
+              <a:t>Casare</a:t>
+            </a:r>
+            <a:endParaRPr lang="pt-BR" sz="2200" dirty="0">
               <a:latin typeface="Nunito"/>
               <a:ea typeface="Nunito"/>
               <a:cs typeface="Nunito"/>
@@ -14053,7 +14087,68 @@
               </a:spcAft>
               <a:buNone/>
             </a:pPr>
-            <a:endParaRPr sz="2200">
+            <a:r>
+              <a:rPr lang="pt-BR" sz="2200" dirty="0">
+                <a:latin typeface="Nunito"/>
+                <a:ea typeface="Nunito"/>
+                <a:cs typeface="Nunito"/>
+                <a:sym typeface="Nunito"/>
+              </a:rPr>
+              <a:t>Prof. Esp. Celso </a:t>
+            </a:r>
+            <a:r>
+              <a:rPr lang="pt-BR" sz="2200" dirty="0" err="1">
+                <a:latin typeface="Nunito"/>
+                <a:ea typeface="Nunito"/>
+                <a:cs typeface="Nunito"/>
+                <a:sym typeface="Nunito"/>
+              </a:rPr>
+              <a:t>Corazza</a:t>
+            </a:r>
+            <a:endParaRPr lang="pt-BR" sz="2200" dirty="0">
+              <a:latin typeface="Nunito"/>
+              <a:ea typeface="Nunito"/>
+              <a:cs typeface="Nunito"/>
+              <a:sym typeface="Nunito"/>
+            </a:endParaRPr>
+          </a:p>
+          <a:p>
+            <a:pPr marL="0" lvl="0" indent="0" algn="l" rtl="0">
+              <a:spcBef>
+                <a:spcPts val="0"/>
+              </a:spcBef>
+              <a:spcAft>
+                <a:spcPts val="0"/>
+              </a:spcAft>
+              <a:buNone/>
+            </a:pPr>
+            <a:r>
+              <a:rPr lang="pt-BR" sz="2200" dirty="0">
+                <a:latin typeface="Nunito"/>
+                <a:ea typeface="Nunito"/>
+                <a:cs typeface="Nunito"/>
+                <a:sym typeface="Nunito"/>
+              </a:rPr>
+              <a:t>Prof. Esp. José Antônio Castanho de Almeida</a:t>
+            </a:r>
+            <a:endParaRPr sz="2200" dirty="0">
+              <a:latin typeface="Nunito"/>
+              <a:ea typeface="Nunito"/>
+              <a:cs typeface="Nunito"/>
+              <a:sym typeface="Nunito"/>
+            </a:endParaRPr>
+          </a:p>
+          <a:p>
+            <a:pPr marL="0" lvl="0" indent="0" algn="l" rtl="0">
+              <a:spcBef>
+                <a:spcPts val="0"/>
+              </a:spcBef>
+              <a:spcAft>
+                <a:spcPts val="0"/>
+              </a:spcAft>
+              <a:buNone/>
+            </a:pPr>
+            <a:endParaRPr sz="2200" dirty="0">
               <a:latin typeface="Nunito"/>
               <a:ea typeface="Nunito"/>
               <a:cs typeface="Nunito"/>
@@ -20764,7 +20859,7 @@
   <p:cSld>
     <p:spTree>
       <p:nvGrpSpPr>
-        <p:cNvPr id="1" name="Shape 217"/>
+        <p:cNvPr id="1" name="Shape 83"/>
         <p:cNvGrpSpPr/>
         <p:nvPr/>
       </p:nvGrpSpPr>
@@ -20778,7 +20873,7 @@
       </p:grpSpPr>
       <p:sp>
         <p:nvSpPr>
-          <p:cNvPr id="218" name="Google Shape;218;g5b93e47ffc_0_60"/>
+          <p:cNvPr id="84" name="Google Shape;84;p1"/>
           <p:cNvSpPr txBox="1">
             <a:spLocks noGrp="1"/>
           </p:cNvSpPr>
@@ -20801,7 +20896,7 @@
         </p:spPr>
         <p:txBody>
           <a:bodyPr spcFirstLastPara="1" wrap="square" lIns="91425" tIns="45700" rIns="91425" bIns="45700" anchor="b" anchorCtr="0">
-            <a:noAutofit/>
+            <a:normAutofit fontScale="90000"/>
           </a:bodyPr>
           <a:lstStyle/>
           <a:p>
@@ -20888,14 +20983,14 @@
       </p:sp>
       <p:cxnSp>
         <p:nvCxnSpPr>
-          <p:cNvPr id="219" name="Google Shape;219;g5b93e47ffc_0_60"/>
+          <p:cNvPr id="85" name="Google Shape;85;p1"/>
           <p:cNvCxnSpPr/>
           <p:nvPr/>
         </p:nvCxnSpPr>
         <p:spPr>
           <a:xfrm>
             <a:off x="0" y="969484"/>
-            <a:ext cx="12096600" cy="21900"/>
+            <a:ext cx="12096519" cy="22034"/>
           </a:xfrm>
           <a:prstGeom prst="straightConnector1">
             <a:avLst/>
@@ -20914,7 +21009,7 @@
       </p:cxnSp>
       <p:pic>
         <p:nvPicPr>
-          <p:cNvPr id="220" name="Google Shape;220;g5b93e47ffc_0_60" descr="logotipo-fatec-itapetininga-"/>
+          <p:cNvPr id="86" name="Google Shape;86;p1" descr="logotipo-fatec-itapetininga-"/>
           <p:cNvPicPr preferRelativeResize="0"/>
           <p:nvPr/>
         </p:nvPicPr>
@@ -20922,7 +21017,7 @@
           <a:blip r:embed="rId3">
             <a:alphaModFix/>
           </a:blip>
-          <a:srcRect r="37907"/>
+          <a:srcRect r="37908"/>
           <a:stretch/>
         </p:blipFill>
         <p:spPr>
@@ -20941,14 +21036,14 @@
       </p:pic>
       <p:sp>
         <p:nvSpPr>
-          <p:cNvPr id="221" name="Google Shape;221;g5b93e47ffc_0_60"/>
+          <p:cNvPr id="87" name="Google Shape;87;p1"/>
           <p:cNvSpPr/>
           <p:nvPr/>
         </p:nvSpPr>
         <p:spPr>
           <a:xfrm>
             <a:off x="9268089" y="76687"/>
-            <a:ext cx="9457800" cy="0"/>
+            <a:ext cx="9457808" cy="0"/>
           </a:xfrm>
           <a:prstGeom prst="rect">
             <a:avLst/>
@@ -20960,7 +21055,7 @@
         </p:spPr>
         <p:txBody>
           <a:bodyPr spcFirstLastPara="1" wrap="square" lIns="91425" tIns="45700" rIns="91425" bIns="45700" anchor="ctr" anchorCtr="0">
-            <a:noAutofit/>
+            <a:spAutoFit/>
           </a:bodyPr>
           <a:lstStyle/>
           <a:p>
@@ -20987,7 +21082,7 @@
       </p:sp>
       <p:pic>
         <p:nvPicPr>
-          <p:cNvPr id="222" name="Google Shape;222;g5b93e47ffc_0_60"/>
+          <p:cNvPr id="88" name="Google Shape;88;p1"/>
           <p:cNvPicPr preferRelativeResize="0"/>
           <p:nvPr/>
         </p:nvPicPr>
@@ -21014,7 +21109,7 @@
       </p:pic>
       <p:sp>
         <p:nvSpPr>
-          <p:cNvPr id="223" name="Google Shape;223;g5b93e47ffc_0_60"/>
+          <p:cNvPr id="89" name="Google Shape;89;p1"/>
           <p:cNvSpPr txBox="1"/>
           <p:nvPr/>
         </p:nvSpPr>
@@ -21066,13 +21161,13 @@
       </p:sp>
       <p:sp>
         <p:nvSpPr>
-          <p:cNvPr id="224" name="Google Shape;224;g5b93e47ffc_0_60"/>
+          <p:cNvPr id="90" name="Google Shape;90;p1"/>
           <p:cNvSpPr txBox="1"/>
           <p:nvPr/>
         </p:nvSpPr>
         <p:spPr>
           <a:xfrm>
-            <a:off x="738100" y="3235925"/>
+            <a:off x="738100" y="3074125"/>
             <a:ext cx="6310500" cy="1541700"/>
           </a:xfrm>
           <a:prstGeom prst="rect">
@@ -21102,7 +21197,7 @@
               <a:buNone/>
             </a:pPr>
             <a:r>
-              <a:rPr lang="pt-BR" sz="2400" b="1">
+              <a:rPr lang="pt-BR" sz="2400" b="1" dirty="0">
                 <a:latin typeface="Nunito"/>
                 <a:ea typeface="Nunito"/>
                 <a:cs typeface="Nunito"/>
@@ -21111,7 +21206,7 @@
               <a:t>Alunos</a:t>
             </a:r>
             <a:r>
-              <a:rPr lang="pt-BR" sz="2200" b="1">
+              <a:rPr lang="pt-BR" sz="2200" b="1" dirty="0">
                 <a:latin typeface="Nunito"/>
                 <a:ea typeface="Nunito"/>
                 <a:cs typeface="Nunito"/>
@@ -21119,7 +21214,7 @@
               </a:rPr>
               <a:t>:</a:t>
             </a:r>
-            <a:endParaRPr sz="2200" b="1">
+            <a:endParaRPr sz="2200" b="1" dirty="0">
               <a:latin typeface="Nunito"/>
               <a:ea typeface="Nunito"/>
               <a:cs typeface="Nunito"/>
@@ -21137,7 +21232,7 @@
               <a:buNone/>
             </a:pPr>
             <a:r>
-              <a:rPr lang="pt-BR" sz="2200">
+              <a:rPr lang="pt-BR" sz="2200" dirty="0">
                 <a:latin typeface="Nunito"/>
                 <a:ea typeface="Nunito"/>
                 <a:cs typeface="Nunito"/>
@@ -21145,7 +21240,7 @@
               </a:rPr>
               <a:t>Efraim de Andrade Morais Junior</a:t>
             </a:r>
-            <a:endParaRPr sz="2200">
+            <a:endParaRPr sz="2200" dirty="0">
               <a:latin typeface="Nunito"/>
               <a:ea typeface="Nunito"/>
               <a:cs typeface="Nunito"/>
@@ -21163,15 +21258,33 @@
               <a:buNone/>
             </a:pPr>
             <a:r>
-              <a:rPr lang="pt-BR" sz="2200">
+              <a:rPr lang="pt-BR" sz="2200" dirty="0">
                 <a:latin typeface="Nunito"/>
                 <a:ea typeface="Nunito"/>
                 <a:cs typeface="Nunito"/>
                 <a:sym typeface="Nunito"/>
               </a:rPr>
-              <a:t>Gabriel Dissotti do Nascimento Rodrigues</a:t>
+              <a:t>Gabriel </a:t>
             </a:r>
-            <a:endParaRPr sz="2200">
+            <a:r>
+              <a:rPr lang="pt-BR" sz="2200" dirty="0" err="1">
+                <a:latin typeface="Nunito"/>
+                <a:ea typeface="Nunito"/>
+                <a:cs typeface="Nunito"/>
+                <a:sym typeface="Nunito"/>
+              </a:rPr>
+              <a:t>Dissotti</a:t>
+            </a:r>
+            <a:r>
+              <a:rPr lang="pt-BR" sz="2200" dirty="0">
+                <a:latin typeface="Nunito"/>
+                <a:ea typeface="Nunito"/>
+                <a:cs typeface="Nunito"/>
+                <a:sym typeface="Nunito"/>
+              </a:rPr>
+              <a:t> do Nascimento Rodrigues</a:t>
+            </a:r>
+            <a:endParaRPr sz="2200" dirty="0">
               <a:latin typeface="Nunito"/>
               <a:ea typeface="Nunito"/>
               <a:cs typeface="Nunito"/>
@@ -21189,16 +21302,34 @@
               <a:buNone/>
             </a:pPr>
             <a:r>
-              <a:rPr lang="pt-BR" sz="2200">
+              <a:rPr lang="pt-BR" sz="2200" dirty="0">
                 <a:latin typeface="Nunito"/>
                 <a:ea typeface="Nunito"/>
                 <a:cs typeface="Nunito"/>
                 <a:sym typeface="Nunito"/>
               </a:rPr>
-              <a:t>Marcos Dissotti </a:t>
+              <a:t>Marcos </a:t>
             </a:r>
             <a:r>
-              <a:rPr lang="pt-BR" sz="2200">
+              <a:rPr lang="pt-BR" sz="2200" dirty="0" err="1">
+                <a:latin typeface="Nunito"/>
+                <a:ea typeface="Nunito"/>
+                <a:cs typeface="Nunito"/>
+                <a:sym typeface="Nunito"/>
+              </a:rPr>
+              <a:t>Dissotti</a:t>
+            </a:r>
+            <a:r>
+              <a:rPr lang="pt-BR" sz="2200" dirty="0">
+                <a:latin typeface="Nunito"/>
+                <a:ea typeface="Nunito"/>
+                <a:cs typeface="Nunito"/>
+                <a:sym typeface="Nunito"/>
+              </a:rPr>
+              <a:t> </a:t>
+            </a:r>
+            <a:r>
+              <a:rPr lang="pt-BR" sz="2200" dirty="0">
                 <a:solidFill>
                   <a:schemeClr val="dk1"/>
                 </a:solidFill>
@@ -21209,7 +21340,7 @@
               </a:rPr>
               <a:t>do Nascimento Rodrigues</a:t>
             </a:r>
-            <a:endParaRPr sz="2200">
+            <a:endParaRPr sz="2200" dirty="0">
               <a:latin typeface="Nunito"/>
               <a:ea typeface="Nunito"/>
               <a:cs typeface="Nunito"/>
@@ -21220,14 +21351,14 @@
       </p:sp>
       <p:sp>
         <p:nvSpPr>
-          <p:cNvPr id="225" name="Google Shape;225;g5b93e47ffc_0_60"/>
+          <p:cNvPr id="91" name="Google Shape;91;p1"/>
           <p:cNvSpPr txBox="1"/>
           <p:nvPr/>
         </p:nvSpPr>
         <p:spPr>
           <a:xfrm>
-            <a:off x="718600" y="4939425"/>
-            <a:ext cx="8444400" cy="1541700"/>
+            <a:off x="718600" y="4725780"/>
+            <a:ext cx="8444400" cy="1841888"/>
           </a:xfrm>
           <a:prstGeom prst="rect">
             <a:avLst/>
@@ -21243,60 +21374,13 @@
           </a:bodyPr>
           <a:lstStyle/>
           <a:p>
-            <a:pPr marL="0" lvl="0" indent="0" algn="l" rtl="0">
+            <a:pPr lvl="0">
               <a:lnSpc>
                 <a:spcPct val="115000"/>
               </a:lnSpc>
-              <a:spcBef>
-                <a:spcPts val="0"/>
-              </a:spcBef>
-              <a:spcAft>
-                <a:spcPts val="0"/>
-              </a:spcAft>
-              <a:buNone/>
             </a:pPr>
             <a:r>
-              <a:rPr lang="pt-BR" sz="2400" b="1">
-                <a:latin typeface="Nunito"/>
-                <a:ea typeface="Nunito"/>
-                <a:cs typeface="Nunito"/>
-                <a:sym typeface="Nunito"/>
-              </a:rPr>
-              <a:t>Banca</a:t>
-            </a:r>
-            <a:r>
-              <a:rPr lang="pt-BR" sz="2200" b="1">
-                <a:latin typeface="Nunito"/>
-                <a:ea typeface="Nunito"/>
-                <a:cs typeface="Nunito"/>
-                <a:sym typeface="Nunito"/>
-              </a:rPr>
-              <a:t>:</a:t>
-            </a:r>
-            <a:endParaRPr sz="2200" b="1">
-              <a:latin typeface="Nunito"/>
-              <a:ea typeface="Nunito"/>
-              <a:cs typeface="Nunito"/>
-              <a:sym typeface="Nunito"/>
-            </a:endParaRPr>
-          </a:p>
-          <a:p>
-            <a:pPr marL="0" lvl="0" indent="0" algn="l" rtl="0">
-              <a:spcBef>
-                <a:spcPts val="0"/>
-              </a:spcBef>
-              <a:spcAft>
-                <a:spcPts val="0"/>
-              </a:spcAft>
-              <a:buClr>
-                <a:schemeClr val="dk1"/>
-              </a:buClr>
-              <a:buSzPts val="1100"/>
-              <a:buFont typeface="Arial"/>
-              <a:buNone/>
-            </a:pPr>
-            <a:r>
-              <a:rPr lang="pt-BR" sz="2200" b="1">
+              <a:rPr lang="pt-BR" sz="2400" b="1" dirty="0">
                 <a:solidFill>
                   <a:schemeClr val="dk1"/>
                 </a:solidFill>
@@ -21308,7 +21392,7 @@
               <a:t>Orientadora</a:t>
             </a:r>
             <a:r>
-              <a:rPr lang="pt-BR" sz="2200">
+              <a:rPr lang="pt-BR" sz="2400" dirty="0">
                 <a:solidFill>
                   <a:schemeClr val="dk1"/>
                 </a:solidFill>
@@ -21317,9 +21401,33 @@
                 <a:cs typeface="Nunito"/>
                 <a:sym typeface="Nunito"/>
               </a:rPr>
-              <a:t>: Prof.ª Dr.ª Andressa Silvério Terra França</a:t>
+              <a:t>: Prof.ª Dr.</a:t>
             </a:r>
-            <a:endParaRPr sz="2200">
+            <a:r>
+              <a:rPr lang="pt-BR" sz="2400" dirty="0" err="1">
+                <a:solidFill>
+                  <a:schemeClr val="dk1"/>
+                </a:solidFill>
+                <a:latin typeface="Nunito"/>
+                <a:ea typeface="Nunito"/>
+                <a:cs typeface="Nunito"/>
+                <a:sym typeface="Nunito"/>
+              </a:rPr>
+              <a:t>ª</a:t>
+            </a:r>
+            <a:r>
+              <a:rPr lang="pt-BR" sz="2400" dirty="0">
+                <a:solidFill>
+                  <a:schemeClr val="dk1"/>
+                </a:solidFill>
+                <a:latin typeface="Nunito"/>
+                <a:ea typeface="Nunito"/>
+                <a:cs typeface="Nunito"/>
+                <a:sym typeface="Nunito"/>
+              </a:rPr>
+              <a:t> Andressa Silvério Terra França</a:t>
+            </a:r>
+            <a:endParaRPr lang="pt-BR" sz="2400" b="1" dirty="0">
               <a:latin typeface="Nunito"/>
               <a:ea typeface="Nunito"/>
               <a:cs typeface="Nunito"/>
@@ -21328,6 +21436,9 @@
           </a:p>
           <a:p>
             <a:pPr marL="0" lvl="0" indent="0" algn="l" rtl="0">
+              <a:lnSpc>
+                <a:spcPct val="115000"/>
+              </a:lnSpc>
               <a:spcBef>
                 <a:spcPts val="0"/>
               </a:spcBef>
@@ -21337,15 +21448,24 @@
               <a:buNone/>
             </a:pPr>
             <a:r>
-              <a:rPr lang="pt-BR" sz="2200">
+              <a:rPr lang="pt-BR" sz="2400" b="1" dirty="0">
                 <a:latin typeface="Nunito"/>
                 <a:ea typeface="Nunito"/>
                 <a:cs typeface="Nunito"/>
                 <a:sym typeface="Nunito"/>
               </a:rPr>
-              <a:t>Prof. Me. Ademar Soares Castelo Branco</a:t>
+              <a:t>Banca</a:t>
             </a:r>
-            <a:endParaRPr sz="2200">
+            <a:r>
+              <a:rPr lang="pt-BR" sz="2200" b="1" dirty="0">
+                <a:latin typeface="Nunito"/>
+                <a:ea typeface="Nunito"/>
+                <a:cs typeface="Nunito"/>
+                <a:sym typeface="Nunito"/>
+              </a:rPr>
+              <a:t>:</a:t>
+            </a:r>
+            <a:endParaRPr sz="2200" dirty="0">
               <a:latin typeface="Nunito"/>
               <a:ea typeface="Nunito"/>
               <a:cs typeface="Nunito"/>
@@ -21360,23 +21480,27 @@
               <a:spcAft>
                 <a:spcPts val="0"/>
               </a:spcAft>
-              <a:buClr>
-                <a:schemeClr val="dk1"/>
-              </a:buClr>
-              <a:buSzPts val="1100"/>
-              <a:buFont typeface="Arial"/>
               <a:buNone/>
             </a:pPr>
             <a:r>
-              <a:rPr lang="pt-BR" sz="2200">
+              <a:rPr lang="pt-BR" sz="2200" dirty="0">
                 <a:latin typeface="Nunito"/>
                 <a:ea typeface="Nunito"/>
                 <a:cs typeface="Nunito"/>
                 <a:sym typeface="Nunito"/>
               </a:rPr>
-              <a:t>Prof. Esp. Celso Corazza</a:t>
+              <a:t>Prof. Me. Andréia Rodrigues </a:t>
             </a:r>
-            <a:endParaRPr sz="2200">
+            <a:r>
+              <a:rPr lang="pt-BR" sz="2200" dirty="0" err="1">
+                <a:latin typeface="Nunito"/>
+                <a:ea typeface="Nunito"/>
+                <a:cs typeface="Nunito"/>
+                <a:sym typeface="Nunito"/>
+              </a:rPr>
+              <a:t>Casare</a:t>
+            </a:r>
+            <a:endParaRPr lang="pt-BR" sz="2200" dirty="0">
               <a:latin typeface="Nunito"/>
               <a:ea typeface="Nunito"/>
               <a:cs typeface="Nunito"/>
@@ -21393,7 +21517,68 @@
               </a:spcAft>
               <a:buNone/>
             </a:pPr>
-            <a:endParaRPr sz="2200">
+            <a:r>
+              <a:rPr lang="pt-BR" sz="2200" dirty="0">
+                <a:latin typeface="Nunito"/>
+                <a:ea typeface="Nunito"/>
+                <a:cs typeface="Nunito"/>
+                <a:sym typeface="Nunito"/>
+              </a:rPr>
+              <a:t>Prof. Esp. Celso </a:t>
+            </a:r>
+            <a:r>
+              <a:rPr lang="pt-BR" sz="2200" dirty="0" err="1">
+                <a:latin typeface="Nunito"/>
+                <a:ea typeface="Nunito"/>
+                <a:cs typeface="Nunito"/>
+                <a:sym typeface="Nunito"/>
+              </a:rPr>
+              <a:t>Corazza</a:t>
+            </a:r>
+            <a:endParaRPr lang="pt-BR" sz="2200" dirty="0">
+              <a:latin typeface="Nunito"/>
+              <a:ea typeface="Nunito"/>
+              <a:cs typeface="Nunito"/>
+              <a:sym typeface="Nunito"/>
+            </a:endParaRPr>
+          </a:p>
+          <a:p>
+            <a:pPr marL="0" lvl="0" indent="0" algn="l" rtl="0">
+              <a:spcBef>
+                <a:spcPts val="0"/>
+              </a:spcBef>
+              <a:spcAft>
+                <a:spcPts val="0"/>
+              </a:spcAft>
+              <a:buNone/>
+            </a:pPr>
+            <a:r>
+              <a:rPr lang="pt-BR" sz="2200" dirty="0">
+                <a:latin typeface="Nunito"/>
+                <a:ea typeface="Nunito"/>
+                <a:cs typeface="Nunito"/>
+                <a:sym typeface="Nunito"/>
+              </a:rPr>
+              <a:t>Prof. Esp. José Antônio Castanho de Almeida</a:t>
+            </a:r>
+            <a:endParaRPr sz="2200" dirty="0">
+              <a:latin typeface="Nunito"/>
+              <a:ea typeface="Nunito"/>
+              <a:cs typeface="Nunito"/>
+              <a:sym typeface="Nunito"/>
+            </a:endParaRPr>
+          </a:p>
+          <a:p>
+            <a:pPr marL="0" lvl="0" indent="0" algn="l" rtl="0">
+              <a:spcBef>
+                <a:spcPts val="0"/>
+              </a:spcBef>
+              <a:spcAft>
+                <a:spcPts val="0"/>
+              </a:spcAft>
+              <a:buNone/>
+            </a:pPr>
+            <a:endParaRPr sz="2200" dirty="0">
               <a:latin typeface="Nunito"/>
               <a:ea typeface="Nunito"/>
               <a:cs typeface="Nunito"/>
@@ -21404,7 +21589,7 @@
       </p:sp>
       <p:sp>
         <p:nvSpPr>
-          <p:cNvPr id="226" name="Google Shape;226;g5b93e47ffc_0_60"/>
+          <p:cNvPr id="92" name="Google Shape;92;p1"/>
           <p:cNvSpPr txBox="1"/>
           <p:nvPr/>
         </p:nvSpPr>
@@ -21455,6 +21640,11 @@
         </p:txBody>
       </p:sp>
     </p:spTree>
+    <p:extLst>
+      <p:ext uri="{BB962C8B-B14F-4D97-AF65-F5344CB8AC3E}">
+        <p14:creationId xmlns:p14="http://schemas.microsoft.com/office/powerpoint/2010/main" val="3350126135"/>
+      </p:ext>
+    </p:extLst>
   </p:cSld>
   <p:clrMapOvr>
     <a:masterClrMapping/>

--- a/Apresentacao-Helpin-Final.pptx
+++ b/Apresentacao-Helpin-Final.pptx
@@ -5,7 +5,7 @@
     <p:sldMasterId id="2147483648" r:id="rId1"/>
   </p:sldMasterIdLst>
   <p:notesMasterIdLst>
-    <p:notesMasterId r:id="rId23"/>
+    <p:notesMasterId r:id="rId22"/>
   </p:notesMasterIdLst>
   <p:sldIdLst>
     <p:sldId id="256" r:id="rId2"/>
@@ -23,12 +23,11 @@
     <p:sldId id="274" r:id="rId14"/>
     <p:sldId id="262" r:id="rId15"/>
     <p:sldId id="277" r:id="rId16"/>
-    <p:sldId id="276" r:id="rId17"/>
-    <p:sldId id="263" r:id="rId18"/>
-    <p:sldId id="264" r:id="rId19"/>
-    <p:sldId id="265" r:id="rId20"/>
-    <p:sldId id="266" r:id="rId21"/>
-    <p:sldId id="278" r:id="rId22"/>
+    <p:sldId id="263" r:id="rId17"/>
+    <p:sldId id="264" r:id="rId18"/>
+    <p:sldId id="265" r:id="rId19"/>
+    <p:sldId id="266" r:id="rId20"/>
+    <p:sldId id="278" r:id="rId21"/>
   </p:sldIdLst>
   <p:sldSz cx="12192000" cy="6858000"/>
   <p:notesSz cx="6858000" cy="9144000"/>
@@ -266,7 +265,7 @@
       <p15:sldGuideLst xmlns:p15="http://schemas.microsoft.com/office/powerpoint/2012/main"/>
     </p:ext>
     <p:ext uri="http://customooxmlschemas.google.com/">
-      <go:slidesCustomData xmlns:go="http://customooxmlschemas.google.com/" xmlns:p15="http://schemas.microsoft.com/office/powerpoint/2012/main" xmlns:p14="http://schemas.microsoft.com/office/powerpoint/2010/main" xmlns:com="http://schemas.openxmlformats.org/drawingml/2006/compatibility" xmlns:pvml="urn:schemas-microsoft-com:office:powerpoint" xmlns:v="urn:schemas-microsoft-com:vml" xmlns:o="urn:schemas-microsoft-com:office:office" xmlns:dgm="http://schemas.openxmlformats.org/drawingml/2006/diagram" xmlns:c="http://schemas.openxmlformats.org/drawingml/2006/chart" xmlns:mv="urn:schemas-microsoft-com:mac:vml" xmlns:mc="http://schemas.openxmlformats.org/markup-compatibility/2006" xmlns="" r:id="rId24" roundtripDataSignature="AMtx7mjvqM9Hckk74KvSIWiaikHeFyDZ0A=="/>
+      <go:slidesCustomData xmlns="" xmlns:mc="http://schemas.openxmlformats.org/markup-compatibility/2006" xmlns:mv="urn:schemas-microsoft-com:mac:vml" xmlns:c="http://schemas.openxmlformats.org/drawingml/2006/chart" xmlns:dgm="http://schemas.openxmlformats.org/drawingml/2006/diagram" xmlns:o="urn:schemas-microsoft-com:office:office" xmlns:v="urn:schemas-microsoft-com:vml" xmlns:pvml="urn:schemas-microsoft-com:office:powerpoint" xmlns:com="http://schemas.openxmlformats.org/drawingml/2006/compatibility" xmlns:p14="http://schemas.microsoft.com/office/powerpoint/2010/main" xmlns:p15="http://schemas.microsoft.com/office/powerpoint/2012/main" xmlns:go="http://customooxmlschemas.google.com/" r:id="rId24" roundtripDataSignature="AMtx7mjvqM9Hckk74KvSIWiaikHeFyDZ0A=="/>
     </p:ext>
   </p:extLst>
 </p:presentation>
@@ -1469,7 +1468,7 @@
   <p:cSld>
     <p:spTree>
       <p:nvGrpSpPr>
-        <p:cNvPr id="1" name="Shape 160"/>
+        <p:cNvPr id="1" name="Shape 171"/>
         <p:cNvGrpSpPr/>
         <p:nvPr/>
       </p:nvGrpSpPr>
@@ -1483,7 +1482,7 @@
       </p:grpSpPr>
       <p:sp>
         <p:nvSpPr>
-          <p:cNvPr id="161" name="Google Shape;161;g5b93e47ffc_0_97:notes"/>
+          <p:cNvPr id="172" name="Google Shape;172;g5b93e47ffc_0_109:notes"/>
           <p:cNvSpPr txBox="1">
             <a:spLocks noGrp="1"/>
           </p:cNvSpPr>
@@ -1521,7 +1520,7 @@
       </p:sp>
       <p:sp>
         <p:nvSpPr>
-          <p:cNvPr id="162" name="Google Shape;162;g5b93e47ffc_0_97:notes"/>
+          <p:cNvPr id="173" name="Google Shape;173;g5b93e47ffc_0_109:notes"/>
           <p:cNvSpPr>
             <a:spLocks noGrp="1" noRot="1" noChangeAspect="1"/>
           </p:cNvSpPr>
@@ -1561,11 +1560,6 @@
         </p:spPr>
       </p:sp>
     </p:spTree>
-    <p:extLst>
-      <p:ext uri="{BB962C8B-B14F-4D97-AF65-F5344CB8AC3E}">
-        <p14:creationId xmlns:p14="http://schemas.microsoft.com/office/powerpoint/2010/main" val="2808503604"/>
-      </p:ext>
-    </p:extLst>
   </p:cSld>
   <p:clrMapOvr>
     <a:masterClrMapping/>
@@ -1574,110 +1568,6 @@
 </file>
 
 <file path=ppt/notesSlides/notesSlide17.xml><?xml version="1.0" encoding="utf-8"?>
-<p:notes xmlns:a="http://schemas.openxmlformats.org/drawingml/2006/main" xmlns:r="http://schemas.openxmlformats.org/officeDocument/2006/relationships" xmlns:p="http://schemas.openxmlformats.org/presentationml/2006/main" showMasterSp="0" showMasterPhAnim="0">
-  <p:cSld>
-    <p:spTree>
-      <p:nvGrpSpPr>
-        <p:cNvPr id="1" name="Shape 171"/>
-        <p:cNvGrpSpPr/>
-        <p:nvPr/>
-      </p:nvGrpSpPr>
-      <p:grpSpPr>
-        <a:xfrm>
-          <a:off x="0" y="0"/>
-          <a:ext cx="0" cy="0"/>
-          <a:chOff x="0" y="0"/>
-          <a:chExt cx="0" cy="0"/>
-        </a:xfrm>
-      </p:grpSpPr>
-      <p:sp>
-        <p:nvSpPr>
-          <p:cNvPr id="172" name="Google Shape;172;g5b93e47ffc_0_109:notes"/>
-          <p:cNvSpPr txBox="1">
-            <a:spLocks noGrp="1"/>
-          </p:cNvSpPr>
-          <p:nvPr>
-            <p:ph type="body" idx="1"/>
-          </p:nvPr>
-        </p:nvSpPr>
-        <p:spPr>
-          <a:xfrm>
-            <a:off x="685800" y="4343400"/>
-            <a:ext cx="5486400" cy="4114800"/>
-          </a:xfrm>
-          <a:prstGeom prst="rect">
-            <a:avLst/>
-          </a:prstGeom>
-        </p:spPr>
-        <p:txBody>
-          <a:bodyPr spcFirstLastPara="1" wrap="square" lIns="91425" tIns="91425" rIns="91425" bIns="91425" anchor="t" anchorCtr="0">
-            <a:noAutofit/>
-          </a:bodyPr>
-          <a:lstStyle/>
-          <a:p>
-            <a:pPr marL="0" lvl="0" indent="0" algn="l" rtl="0">
-              <a:spcBef>
-                <a:spcPts val="0"/>
-              </a:spcBef>
-              <a:spcAft>
-                <a:spcPts val="0"/>
-              </a:spcAft>
-              <a:buNone/>
-            </a:pPr>
-            <a:endParaRPr/>
-          </a:p>
-        </p:txBody>
-      </p:sp>
-      <p:sp>
-        <p:nvSpPr>
-          <p:cNvPr id="173" name="Google Shape;173;g5b93e47ffc_0_109:notes"/>
-          <p:cNvSpPr>
-            <a:spLocks noGrp="1" noRot="1" noChangeAspect="1"/>
-          </p:cNvSpPr>
-          <p:nvPr>
-            <p:ph type="sldImg" idx="2"/>
-          </p:nvPr>
-        </p:nvSpPr>
-        <p:spPr>
-          <a:xfrm>
-            <a:off x="381000" y="685800"/>
-            <a:ext cx="6096000" cy="3429000"/>
-          </a:xfrm>
-          <a:custGeom>
-            <a:avLst/>
-            <a:gdLst/>
-            <a:ahLst/>
-            <a:cxnLst/>
-            <a:rect l="l" t="t" r="r" b="b"/>
-            <a:pathLst>
-              <a:path w="120000" h="120000" extrusionOk="0">
-                <a:moveTo>
-                  <a:pt x="0" y="0"/>
-                </a:moveTo>
-                <a:lnTo>
-                  <a:pt x="120000" y="0"/>
-                </a:lnTo>
-                <a:lnTo>
-                  <a:pt x="120000" y="120000"/>
-                </a:lnTo>
-                <a:lnTo>
-                  <a:pt x="0" y="120000"/>
-                </a:lnTo>
-                <a:close/>
-              </a:path>
-            </a:pathLst>
-          </a:custGeom>
-        </p:spPr>
-      </p:sp>
-    </p:spTree>
-  </p:cSld>
-  <p:clrMapOvr>
-    <a:masterClrMapping/>
-  </p:clrMapOvr>
-</p:notes>
-</file>
-
-<file path=ppt/notesSlides/notesSlide18.xml><?xml version="1.0" encoding="utf-8"?>
 <p:notes xmlns:a="http://schemas.openxmlformats.org/drawingml/2006/main" xmlns:r="http://schemas.openxmlformats.org/officeDocument/2006/relationships" xmlns:p="http://schemas.openxmlformats.org/presentationml/2006/main" showMasterSp="0" showMasterPhAnim="0">
   <p:cSld>
     <p:spTree>
@@ -1781,7 +1671,7 @@
 </p:notes>
 </file>
 
-<file path=ppt/notesSlides/notesSlide19.xml><?xml version="1.0" encoding="utf-8"?>
+<file path=ppt/notesSlides/notesSlide18.xml><?xml version="1.0" encoding="utf-8"?>
 <p:notes xmlns:a="http://schemas.openxmlformats.org/drawingml/2006/main" xmlns:r="http://schemas.openxmlformats.org/officeDocument/2006/relationships" xmlns:p="http://schemas.openxmlformats.org/presentationml/2006/main" showMasterSp="0" showMasterPhAnim="0">
   <p:cSld>
     <p:spTree>
@@ -1839,6 +1729,110 @@
       <p:sp>
         <p:nvSpPr>
           <p:cNvPr id="194" name="Google Shape;194;g5b93e47ffc_0_136:notes"/>
+          <p:cNvSpPr>
+            <a:spLocks noGrp="1" noRot="1" noChangeAspect="1"/>
+          </p:cNvSpPr>
+          <p:nvPr>
+            <p:ph type="sldImg" idx="2"/>
+          </p:nvPr>
+        </p:nvSpPr>
+        <p:spPr>
+          <a:xfrm>
+            <a:off x="381000" y="685800"/>
+            <a:ext cx="6096000" cy="3429000"/>
+          </a:xfrm>
+          <a:custGeom>
+            <a:avLst/>
+            <a:gdLst/>
+            <a:ahLst/>
+            <a:cxnLst/>
+            <a:rect l="l" t="t" r="r" b="b"/>
+            <a:pathLst>
+              <a:path w="120000" h="120000" extrusionOk="0">
+                <a:moveTo>
+                  <a:pt x="0" y="0"/>
+                </a:moveTo>
+                <a:lnTo>
+                  <a:pt x="120000" y="0"/>
+                </a:lnTo>
+                <a:lnTo>
+                  <a:pt x="120000" y="120000"/>
+                </a:lnTo>
+                <a:lnTo>
+                  <a:pt x="0" y="120000"/>
+                </a:lnTo>
+                <a:close/>
+              </a:path>
+            </a:pathLst>
+          </a:custGeom>
+        </p:spPr>
+      </p:sp>
+    </p:spTree>
+  </p:cSld>
+  <p:clrMapOvr>
+    <a:masterClrMapping/>
+  </p:clrMapOvr>
+</p:notes>
+</file>
+
+<file path=ppt/notesSlides/notesSlide19.xml><?xml version="1.0" encoding="utf-8"?>
+<p:notes xmlns:a="http://schemas.openxmlformats.org/drawingml/2006/main" xmlns:r="http://schemas.openxmlformats.org/officeDocument/2006/relationships" xmlns:p="http://schemas.openxmlformats.org/presentationml/2006/main" showMasterSp="0" showMasterPhAnim="0">
+  <p:cSld>
+    <p:spTree>
+      <p:nvGrpSpPr>
+        <p:cNvPr id="1" name="Shape 204"/>
+        <p:cNvGrpSpPr/>
+        <p:nvPr/>
+      </p:nvGrpSpPr>
+      <p:grpSpPr>
+        <a:xfrm>
+          <a:off x="0" y="0"/>
+          <a:ext cx="0" cy="0"/>
+          <a:chOff x="0" y="0"/>
+          <a:chExt cx="0" cy="0"/>
+        </a:xfrm>
+      </p:grpSpPr>
+      <p:sp>
+        <p:nvSpPr>
+          <p:cNvPr id="205" name="Google Shape;205;g5c737ccbd3_0_0:notes"/>
+          <p:cNvSpPr txBox="1">
+            <a:spLocks noGrp="1"/>
+          </p:cNvSpPr>
+          <p:nvPr>
+            <p:ph type="body" idx="1"/>
+          </p:nvPr>
+        </p:nvSpPr>
+        <p:spPr>
+          <a:xfrm>
+            <a:off x="685800" y="4343400"/>
+            <a:ext cx="5486400" cy="4114800"/>
+          </a:xfrm>
+          <a:prstGeom prst="rect">
+            <a:avLst/>
+          </a:prstGeom>
+        </p:spPr>
+        <p:txBody>
+          <a:bodyPr spcFirstLastPara="1" wrap="square" lIns="91425" tIns="91425" rIns="91425" bIns="91425" anchor="t" anchorCtr="0">
+            <a:noAutofit/>
+          </a:bodyPr>
+          <a:lstStyle/>
+          <a:p>
+            <a:pPr marL="0" lvl="0" indent="0" algn="l" rtl="0">
+              <a:spcBef>
+                <a:spcPts val="0"/>
+              </a:spcBef>
+              <a:spcAft>
+                <a:spcPts val="0"/>
+              </a:spcAft>
+              <a:buNone/>
+            </a:pPr>
+            <a:endParaRPr/>
+          </a:p>
+        </p:txBody>
+      </p:sp>
+      <p:sp>
+        <p:nvSpPr>
+          <p:cNvPr id="206" name="Google Shape;206;g5c737ccbd3_0_0:notes"/>
           <p:cNvSpPr>
             <a:spLocks noGrp="1" noRot="1" noChangeAspect="1"/>
           </p:cNvSpPr>
@@ -1990,110 +1984,6 @@
 </file>
 
 <file path=ppt/notesSlides/notesSlide20.xml><?xml version="1.0" encoding="utf-8"?>
-<p:notes xmlns:a="http://schemas.openxmlformats.org/drawingml/2006/main" xmlns:r="http://schemas.openxmlformats.org/officeDocument/2006/relationships" xmlns:p="http://schemas.openxmlformats.org/presentationml/2006/main" showMasterSp="0" showMasterPhAnim="0">
-  <p:cSld>
-    <p:spTree>
-      <p:nvGrpSpPr>
-        <p:cNvPr id="1" name="Shape 204"/>
-        <p:cNvGrpSpPr/>
-        <p:nvPr/>
-      </p:nvGrpSpPr>
-      <p:grpSpPr>
-        <a:xfrm>
-          <a:off x="0" y="0"/>
-          <a:ext cx="0" cy="0"/>
-          <a:chOff x="0" y="0"/>
-          <a:chExt cx="0" cy="0"/>
-        </a:xfrm>
-      </p:grpSpPr>
-      <p:sp>
-        <p:nvSpPr>
-          <p:cNvPr id="205" name="Google Shape;205;g5c737ccbd3_0_0:notes"/>
-          <p:cNvSpPr txBox="1">
-            <a:spLocks noGrp="1"/>
-          </p:cNvSpPr>
-          <p:nvPr>
-            <p:ph type="body" idx="1"/>
-          </p:nvPr>
-        </p:nvSpPr>
-        <p:spPr>
-          <a:xfrm>
-            <a:off x="685800" y="4343400"/>
-            <a:ext cx="5486400" cy="4114800"/>
-          </a:xfrm>
-          <a:prstGeom prst="rect">
-            <a:avLst/>
-          </a:prstGeom>
-        </p:spPr>
-        <p:txBody>
-          <a:bodyPr spcFirstLastPara="1" wrap="square" lIns="91425" tIns="91425" rIns="91425" bIns="91425" anchor="t" anchorCtr="0">
-            <a:noAutofit/>
-          </a:bodyPr>
-          <a:lstStyle/>
-          <a:p>
-            <a:pPr marL="0" lvl="0" indent="0" algn="l" rtl="0">
-              <a:spcBef>
-                <a:spcPts val="0"/>
-              </a:spcBef>
-              <a:spcAft>
-                <a:spcPts val="0"/>
-              </a:spcAft>
-              <a:buNone/>
-            </a:pPr>
-            <a:endParaRPr/>
-          </a:p>
-        </p:txBody>
-      </p:sp>
-      <p:sp>
-        <p:nvSpPr>
-          <p:cNvPr id="206" name="Google Shape;206;g5c737ccbd3_0_0:notes"/>
-          <p:cNvSpPr>
-            <a:spLocks noGrp="1" noRot="1" noChangeAspect="1"/>
-          </p:cNvSpPr>
-          <p:nvPr>
-            <p:ph type="sldImg" idx="2"/>
-          </p:nvPr>
-        </p:nvSpPr>
-        <p:spPr>
-          <a:xfrm>
-            <a:off x="381000" y="685800"/>
-            <a:ext cx="6096000" cy="3429000"/>
-          </a:xfrm>
-          <a:custGeom>
-            <a:avLst/>
-            <a:gdLst/>
-            <a:ahLst/>
-            <a:cxnLst/>
-            <a:rect l="l" t="t" r="r" b="b"/>
-            <a:pathLst>
-              <a:path w="120000" h="120000" extrusionOk="0">
-                <a:moveTo>
-                  <a:pt x="0" y="0"/>
-                </a:moveTo>
-                <a:lnTo>
-                  <a:pt x="120000" y="0"/>
-                </a:lnTo>
-                <a:lnTo>
-                  <a:pt x="120000" y="120000"/>
-                </a:lnTo>
-                <a:lnTo>
-                  <a:pt x="0" y="120000"/>
-                </a:lnTo>
-                <a:close/>
-              </a:path>
-            </a:pathLst>
-          </a:custGeom>
-        </p:spPr>
-      </p:sp>
-    </p:spTree>
-  </p:cSld>
-  <p:clrMapOvr>
-    <a:masterClrMapping/>
-  </p:clrMapOvr>
-</p:notes>
-</file>
-
-<file path=ppt/notesSlides/notesSlide21.xml><?xml version="1.0" encoding="utf-8"?>
 <p:notes xmlns:a="http://schemas.openxmlformats.org/drawingml/2006/main" xmlns:r="http://schemas.openxmlformats.org/officeDocument/2006/relationships" xmlns:p="http://schemas.openxmlformats.org/presentationml/2006/main" showMasterSp="0" showMasterPhAnim="0">
   <p:cSld>
     <p:spTree>
@@ -17809,7 +17699,7 @@
   <p:cSld>
     <p:spTree>
       <p:nvGrpSpPr>
-        <p:cNvPr id="1" name="Shape 163"/>
+        <p:cNvPr id="1" name="Shape 174"/>
         <p:cNvGrpSpPr/>
         <p:nvPr/>
       </p:nvGrpSpPr>
@@ -17823,7 +17713,7 @@
       </p:grpSpPr>
       <p:cxnSp>
         <p:nvCxnSpPr>
-          <p:cNvPr id="164" name="Google Shape;164;g5b93e47ffc_0_97"/>
+          <p:cNvPr id="175" name="Google Shape;175;g5b93e47ffc_0_109"/>
           <p:cNvCxnSpPr/>
           <p:nvPr/>
         </p:nvCxnSpPr>
@@ -17849,7 +17739,7 @@
       </p:cxnSp>
       <p:pic>
         <p:nvPicPr>
-          <p:cNvPr id="165" name="Google Shape;165;g5b93e47ffc_0_97" descr="logotipo-fatec-itapetininga-"/>
+          <p:cNvPr id="176" name="Google Shape;176;g5b93e47ffc_0_109" descr="logotipo-fatec-itapetininga-"/>
           <p:cNvPicPr preferRelativeResize="0"/>
           <p:nvPr/>
         </p:nvPicPr>
@@ -17876,7 +17766,7 @@
       </p:pic>
       <p:sp>
         <p:nvSpPr>
-          <p:cNvPr id="166" name="Google Shape;166;g5b93e47ffc_0_97"/>
+          <p:cNvPr id="177" name="Google Shape;177;g5b93e47ffc_0_109"/>
           <p:cNvSpPr/>
           <p:nvPr/>
         </p:nvSpPr>
@@ -17922,7 +17812,7 @@
       </p:sp>
       <p:pic>
         <p:nvPicPr>
-          <p:cNvPr id="167" name="Google Shape;167;g5b93e47ffc_0_97"/>
+          <p:cNvPr id="178" name="Google Shape;178;g5b93e47ffc_0_109"/>
           <p:cNvPicPr preferRelativeResize="0"/>
           <p:nvPr/>
         </p:nvPicPr>
@@ -17949,7 +17839,7 @@
       </p:pic>
       <p:pic>
         <p:nvPicPr>
-          <p:cNvPr id="168" name="Google Shape;168;g5b93e47ffc_0_97"/>
+          <p:cNvPr id="179" name="Google Shape;179;g5b93e47ffc_0_109"/>
           <p:cNvPicPr preferRelativeResize="0"/>
           <p:nvPr/>
         </p:nvPicPr>
@@ -17963,8 +17853,8 @@
         </p:blipFill>
         <p:spPr>
           <a:xfrm>
-            <a:off x="1231925" y="1294575"/>
-            <a:ext cx="2969650" cy="5258625"/>
+            <a:off x="1290125" y="1298850"/>
+            <a:ext cx="2968225" cy="5268150"/>
           </a:xfrm>
           <a:prstGeom prst="rect">
             <a:avLst/>
@@ -17977,7 +17867,7 @@
       </p:pic>
       <p:pic>
         <p:nvPicPr>
-          <p:cNvPr id="169" name="Google Shape;169;g5b93e47ffc_0_97"/>
+          <p:cNvPr id="180" name="Google Shape;180;g5b93e47ffc_0_109"/>
           <p:cNvPicPr preferRelativeResize="0"/>
           <p:nvPr/>
         </p:nvPicPr>
@@ -17991,8 +17881,8 @@
         </p:blipFill>
         <p:spPr>
           <a:xfrm>
-            <a:off x="4582575" y="1300603"/>
-            <a:ext cx="2969650" cy="5252597"/>
+            <a:off x="4582575" y="1298055"/>
+            <a:ext cx="2968225" cy="5271471"/>
           </a:xfrm>
           <a:prstGeom prst="rect">
             <a:avLst/>
@@ -18005,7 +17895,7 @@
       </p:pic>
       <p:pic>
         <p:nvPicPr>
-          <p:cNvPr id="170" name="Google Shape;170;g5b93e47ffc_0_97"/>
+          <p:cNvPr id="181" name="Google Shape;181;g5b93e47ffc_0_109"/>
           <p:cNvPicPr preferRelativeResize="0"/>
           <p:nvPr/>
         </p:nvPicPr>
@@ -18019,8 +17909,8 @@
         </p:blipFill>
         <p:spPr>
           <a:xfrm>
-            <a:off x="7914225" y="1287176"/>
-            <a:ext cx="2969650" cy="5266024"/>
+            <a:off x="7911625" y="1284594"/>
+            <a:ext cx="2968225" cy="5284882"/>
           </a:xfrm>
           <a:prstGeom prst="rect">
             <a:avLst/>
@@ -18033,10 +17923,10 @@
       </p:pic>
       <p:sp>
         <p:nvSpPr>
-          <p:cNvPr id="10" name="Google Shape;97;g5c6b059b7b_0_18">
+          <p:cNvPr id="9" name="Google Shape;97;g5c6b059b7b_0_18">
             <a:extLst>
               <a:ext uri="{FF2B5EF4-FFF2-40B4-BE49-F238E27FC236}">
-                <a16:creationId xmlns:a16="http://schemas.microsoft.com/office/drawing/2014/main" id="{D031028A-0D77-BF48-BA5C-00A75742BEE6}"/>
+                <a16:creationId xmlns:a16="http://schemas.microsoft.com/office/drawing/2014/main" id="{5FB884D4-57F9-0742-BDCC-8CC96D7541F0}"/>
               </a:ext>
             </a:extLst>
           </p:cNvPr>
@@ -18325,11 +18215,6 @@
         </p:txBody>
       </p:sp>
     </p:spTree>
-    <p:extLst>
-      <p:ext uri="{BB962C8B-B14F-4D97-AF65-F5344CB8AC3E}">
-        <p14:creationId xmlns:p14="http://schemas.microsoft.com/office/powerpoint/2010/main" val="840840408"/>
-      </p:ext>
-    </p:extLst>
   </p:cSld>
   <p:clrMapOvr>
     <a:masterClrMapping/>
@@ -18342,7 +18227,7 @@
   <p:cSld>
     <p:spTree>
       <p:nvGrpSpPr>
-        <p:cNvPr id="1" name="Shape 174"/>
+        <p:cNvPr id="1" name="Shape 185"/>
         <p:cNvGrpSpPr/>
         <p:nvPr/>
       </p:nvGrpSpPr>
@@ -18356,7 +18241,7 @@
       </p:grpSpPr>
       <p:cxnSp>
         <p:nvCxnSpPr>
-          <p:cNvPr id="175" name="Google Shape;175;g5b93e47ffc_0_109"/>
+          <p:cNvPr id="186" name="Google Shape;186;g5b93e47ffc_0_123"/>
           <p:cNvCxnSpPr/>
           <p:nvPr/>
         </p:nvCxnSpPr>
@@ -18382,7 +18267,7 @@
       </p:cxnSp>
       <p:pic>
         <p:nvPicPr>
-          <p:cNvPr id="176" name="Google Shape;176;g5b93e47ffc_0_109" descr="logotipo-fatec-itapetininga-"/>
+          <p:cNvPr id="187" name="Google Shape;187;g5b93e47ffc_0_123" descr="logotipo-fatec-itapetininga-"/>
           <p:cNvPicPr preferRelativeResize="0"/>
           <p:nvPr/>
         </p:nvPicPr>
@@ -18409,7 +18294,7 @@
       </p:pic>
       <p:sp>
         <p:nvSpPr>
-          <p:cNvPr id="177" name="Google Shape;177;g5b93e47ffc_0_109"/>
+          <p:cNvPr id="188" name="Google Shape;188;g5b93e47ffc_0_123"/>
           <p:cNvSpPr/>
           <p:nvPr/>
         </p:nvSpPr>
@@ -18455,7 +18340,7 @@
       </p:sp>
       <p:pic>
         <p:nvPicPr>
-          <p:cNvPr id="178" name="Google Shape;178;g5b93e47ffc_0_109"/>
+          <p:cNvPr id="189" name="Google Shape;189;g5b93e47ffc_0_123"/>
           <p:cNvPicPr preferRelativeResize="0"/>
           <p:nvPr/>
         </p:nvPicPr>
@@ -18482,7 +18367,7 @@
       </p:pic>
       <p:pic>
         <p:nvPicPr>
-          <p:cNvPr id="179" name="Google Shape;179;g5b93e47ffc_0_109"/>
+          <p:cNvPr id="190" name="Google Shape;190;g5b93e47ffc_0_123"/>
           <p:cNvPicPr preferRelativeResize="0"/>
           <p:nvPr/>
         </p:nvPicPr>
@@ -18496,8 +18381,8 @@
         </p:blipFill>
         <p:spPr>
           <a:xfrm>
-            <a:off x="1290125" y="1298850"/>
-            <a:ext cx="2968225" cy="5268150"/>
+            <a:off x="2554488" y="1300194"/>
+            <a:ext cx="2968225" cy="5263464"/>
           </a:xfrm>
           <a:prstGeom prst="rect">
             <a:avLst/>
@@ -18510,7 +18395,7 @@
       </p:pic>
       <p:pic>
         <p:nvPicPr>
-          <p:cNvPr id="180" name="Google Shape;180;g5b93e47ffc_0_109"/>
+          <p:cNvPr id="191" name="Google Shape;191;g5b93e47ffc_0_123"/>
           <p:cNvPicPr preferRelativeResize="0"/>
           <p:nvPr/>
         </p:nvPicPr>
@@ -18524,8 +18409,8 @@
         </p:blipFill>
         <p:spPr>
           <a:xfrm>
-            <a:off x="4582575" y="1298055"/>
-            <a:ext cx="2968225" cy="5271471"/>
+            <a:off x="6593084" y="1302513"/>
+            <a:ext cx="2968225" cy="5258808"/>
           </a:xfrm>
           <a:prstGeom prst="rect">
             <a:avLst/>
@@ -18536,40 +18421,12 @@
           </a:ln>
         </p:spPr>
       </p:pic>
-      <p:pic>
-        <p:nvPicPr>
-          <p:cNvPr id="181" name="Google Shape;181;g5b93e47ffc_0_109"/>
-          <p:cNvPicPr preferRelativeResize="0"/>
-          <p:nvPr/>
-        </p:nvPicPr>
-        <p:blipFill>
-          <a:blip r:embed="rId7">
-            <a:alphaModFix/>
-          </a:blip>
-          <a:stretch>
-            <a:fillRect/>
-          </a:stretch>
-        </p:blipFill>
-        <p:spPr>
-          <a:xfrm>
-            <a:off x="7911625" y="1284594"/>
-            <a:ext cx="2968225" cy="5284882"/>
-          </a:xfrm>
-          <a:prstGeom prst="rect">
-            <a:avLst/>
-          </a:prstGeom>
-          <a:noFill/>
-          <a:ln>
-            <a:noFill/>
-          </a:ln>
-        </p:spPr>
-      </p:pic>
       <p:sp>
         <p:nvSpPr>
-          <p:cNvPr id="9" name="Google Shape;97;g5c6b059b7b_0_18">
+          <p:cNvPr id="8" name="Google Shape;97;g5c6b059b7b_0_18">
             <a:extLst>
               <a:ext uri="{FF2B5EF4-FFF2-40B4-BE49-F238E27FC236}">
-                <a16:creationId xmlns:a16="http://schemas.microsoft.com/office/drawing/2014/main" id="{5FB884D4-57F9-0742-BDCC-8CC96D7541F0}"/>
+                <a16:creationId xmlns:a16="http://schemas.microsoft.com/office/drawing/2014/main" id="{40083376-7548-B84E-AA3F-A47AD4B470AF}"/>
               </a:ext>
             </a:extLst>
           </p:cNvPr>
@@ -18870,506 +18727,6 @@
   <p:cSld>
     <p:spTree>
       <p:nvGrpSpPr>
-        <p:cNvPr id="1" name="Shape 185"/>
-        <p:cNvGrpSpPr/>
-        <p:nvPr/>
-      </p:nvGrpSpPr>
-      <p:grpSpPr>
-        <a:xfrm>
-          <a:off x="0" y="0"/>
-          <a:ext cx="0" cy="0"/>
-          <a:chOff x="0" y="0"/>
-          <a:chExt cx="0" cy="0"/>
-        </a:xfrm>
-      </p:grpSpPr>
-      <p:cxnSp>
-        <p:nvCxnSpPr>
-          <p:cNvPr id="186" name="Google Shape;186;g5b93e47ffc_0_123"/>
-          <p:cNvCxnSpPr/>
-          <p:nvPr/>
-        </p:nvCxnSpPr>
-        <p:spPr>
-          <a:xfrm>
-            <a:off x="0" y="969484"/>
-            <a:ext cx="12096600" cy="21900"/>
-          </a:xfrm>
-          <a:prstGeom prst="straightConnector1">
-            <a:avLst/>
-          </a:prstGeom>
-          <a:noFill/>
-          <a:ln w="57150" cap="flat" cmpd="sng">
-            <a:solidFill>
-              <a:schemeClr val="dk1"/>
-            </a:solidFill>
-            <a:prstDash val="solid"/>
-            <a:miter lim="800000"/>
-            <a:headEnd type="none" w="sm" len="sm"/>
-            <a:tailEnd type="none" w="sm" len="sm"/>
-          </a:ln>
-        </p:spPr>
-      </p:cxnSp>
-      <p:pic>
-        <p:nvPicPr>
-          <p:cNvPr id="187" name="Google Shape;187;g5b93e47ffc_0_123" descr="logotipo-fatec-itapetininga-"/>
-          <p:cNvPicPr preferRelativeResize="0"/>
-          <p:nvPr/>
-        </p:nvPicPr>
-        <p:blipFill rotWithShape="1">
-          <a:blip r:embed="rId3">
-            <a:alphaModFix/>
-          </a:blip>
-          <a:srcRect r="37907"/>
-          <a:stretch/>
-        </p:blipFill>
-        <p:spPr>
-          <a:xfrm>
-            <a:off x="7837434" y="76687"/>
-            <a:ext cx="1430655" cy="819150"/>
-          </a:xfrm>
-          <a:prstGeom prst="rect">
-            <a:avLst/>
-          </a:prstGeom>
-          <a:noFill/>
-          <a:ln>
-            <a:noFill/>
-          </a:ln>
-        </p:spPr>
-      </p:pic>
-      <p:sp>
-        <p:nvSpPr>
-          <p:cNvPr id="188" name="Google Shape;188;g5b93e47ffc_0_123"/>
-          <p:cNvSpPr/>
-          <p:nvPr/>
-        </p:nvSpPr>
-        <p:spPr>
-          <a:xfrm>
-            <a:off x="9268089" y="76687"/>
-            <a:ext cx="9457800" cy="0"/>
-          </a:xfrm>
-          <a:prstGeom prst="rect">
-            <a:avLst/>
-          </a:prstGeom>
-          <a:noFill/>
-          <a:ln>
-            <a:noFill/>
-          </a:ln>
-        </p:spPr>
-        <p:txBody>
-          <a:bodyPr spcFirstLastPara="1" wrap="square" lIns="91425" tIns="45700" rIns="91425" bIns="45700" anchor="ctr" anchorCtr="0">
-            <a:noAutofit/>
-          </a:bodyPr>
-          <a:lstStyle/>
-          <a:p>
-            <a:pPr marL="0" marR="0" lvl="0" indent="0" algn="l" rtl="0">
-              <a:spcBef>
-                <a:spcPts val="0"/>
-              </a:spcBef>
-              <a:spcAft>
-                <a:spcPts val="0"/>
-              </a:spcAft>
-              <a:buNone/>
-            </a:pPr>
-            <a:endParaRPr sz="1800">
-              <a:solidFill>
-                <a:schemeClr val="dk1"/>
-              </a:solidFill>
-              <a:latin typeface="Calibri"/>
-              <a:ea typeface="Calibri"/>
-              <a:cs typeface="Calibri"/>
-              <a:sym typeface="Calibri"/>
-            </a:endParaRPr>
-          </a:p>
-        </p:txBody>
-      </p:sp>
-      <p:pic>
-        <p:nvPicPr>
-          <p:cNvPr id="189" name="Google Shape;189;g5b93e47ffc_0_123"/>
-          <p:cNvPicPr preferRelativeResize="0"/>
-          <p:nvPr/>
-        </p:nvPicPr>
-        <p:blipFill rotWithShape="1">
-          <a:blip r:embed="rId4">
-            <a:alphaModFix/>
-          </a:blip>
-          <a:srcRect/>
-          <a:stretch/>
-        </p:blipFill>
-        <p:spPr>
-          <a:xfrm>
-            <a:off x="9396683" y="76688"/>
-            <a:ext cx="2699837" cy="819150"/>
-          </a:xfrm>
-          <a:prstGeom prst="rect">
-            <a:avLst/>
-          </a:prstGeom>
-          <a:noFill/>
-          <a:ln>
-            <a:noFill/>
-          </a:ln>
-        </p:spPr>
-      </p:pic>
-      <p:pic>
-        <p:nvPicPr>
-          <p:cNvPr id="190" name="Google Shape;190;g5b93e47ffc_0_123"/>
-          <p:cNvPicPr preferRelativeResize="0"/>
-          <p:nvPr/>
-        </p:nvPicPr>
-        <p:blipFill>
-          <a:blip r:embed="rId5">
-            <a:alphaModFix/>
-          </a:blip>
-          <a:stretch>
-            <a:fillRect/>
-          </a:stretch>
-        </p:blipFill>
-        <p:spPr>
-          <a:xfrm>
-            <a:off x="2554488" y="1300194"/>
-            <a:ext cx="2968225" cy="5263464"/>
-          </a:xfrm>
-          <a:prstGeom prst="rect">
-            <a:avLst/>
-          </a:prstGeom>
-          <a:noFill/>
-          <a:ln>
-            <a:noFill/>
-          </a:ln>
-        </p:spPr>
-      </p:pic>
-      <p:pic>
-        <p:nvPicPr>
-          <p:cNvPr id="191" name="Google Shape;191;g5b93e47ffc_0_123"/>
-          <p:cNvPicPr preferRelativeResize="0"/>
-          <p:nvPr/>
-        </p:nvPicPr>
-        <p:blipFill>
-          <a:blip r:embed="rId6">
-            <a:alphaModFix/>
-          </a:blip>
-          <a:stretch>
-            <a:fillRect/>
-          </a:stretch>
-        </p:blipFill>
-        <p:spPr>
-          <a:xfrm>
-            <a:off x="6593084" y="1302513"/>
-            <a:ext cx="2968225" cy="5258808"/>
-          </a:xfrm>
-          <a:prstGeom prst="rect">
-            <a:avLst/>
-          </a:prstGeom>
-          <a:noFill/>
-          <a:ln>
-            <a:noFill/>
-          </a:ln>
-        </p:spPr>
-      </p:pic>
-      <p:sp>
-        <p:nvSpPr>
-          <p:cNvPr id="8" name="Google Shape;97;g5c6b059b7b_0_18">
-            <a:extLst>
-              <a:ext uri="{FF2B5EF4-FFF2-40B4-BE49-F238E27FC236}">
-                <a16:creationId xmlns:a16="http://schemas.microsoft.com/office/drawing/2014/main" id="{40083376-7548-B84E-AA3F-A47AD4B470AF}"/>
-              </a:ext>
-            </a:extLst>
-          </p:cNvPr>
-          <p:cNvSpPr txBox="1">
-            <a:spLocks/>
-          </p:cNvSpPr>
-          <p:nvPr/>
-        </p:nvSpPr>
-        <p:spPr>
-          <a:xfrm>
-            <a:off x="912511" y="-2853"/>
-            <a:ext cx="8690578" cy="935514"/>
-          </a:xfrm>
-          <a:prstGeom prst="rect">
-            <a:avLst/>
-          </a:prstGeom>
-          <a:noFill/>
-          <a:ln>
-            <a:noFill/>
-          </a:ln>
-        </p:spPr>
-        <p:txBody>
-          <a:bodyPr spcFirstLastPara="1" wrap="square" lIns="91425" tIns="45700" rIns="91425" bIns="45700" anchor="ctr" anchorCtr="0">
-            <a:noAutofit/>
-          </a:bodyPr>
-          <a:lstStyle>
-            <a:defPPr marR="0" lvl="0" algn="l" rtl="0">
-              <a:lnSpc>
-                <a:spcPct val="100000"/>
-              </a:lnSpc>
-              <a:spcBef>
-                <a:spcPts val="0"/>
-              </a:spcBef>
-              <a:spcAft>
-                <a:spcPts val="0"/>
-              </a:spcAft>
-            </a:defPPr>
-            <a:lvl1pPr marR="0" lvl="0" algn="l" rtl="0">
-              <a:lnSpc>
-                <a:spcPct val="90000"/>
-              </a:lnSpc>
-              <a:spcBef>
-                <a:spcPts val="0"/>
-              </a:spcBef>
-              <a:spcAft>
-                <a:spcPts val="0"/>
-              </a:spcAft>
-              <a:buClr>
-                <a:schemeClr val="dk1"/>
-              </a:buClr>
-              <a:buSzPts val="1800"/>
-              <a:buFont typeface="Calibri"/>
-              <a:buNone/>
-              <a:defRPr sz="4400" b="0" i="0" u="none" strike="noStrike" cap="none">
-                <a:solidFill>
-                  <a:schemeClr val="dk1"/>
-                </a:solidFill>
-                <a:latin typeface="Calibri"/>
-                <a:ea typeface="Calibri"/>
-                <a:cs typeface="Calibri"/>
-                <a:sym typeface="Calibri"/>
-              </a:defRPr>
-            </a:lvl1pPr>
-            <a:lvl2pPr marR="0" lvl="1" algn="l" rtl="0">
-              <a:lnSpc>
-                <a:spcPct val="100000"/>
-              </a:lnSpc>
-              <a:spcBef>
-                <a:spcPts val="0"/>
-              </a:spcBef>
-              <a:spcAft>
-                <a:spcPts val="0"/>
-              </a:spcAft>
-              <a:buClr>
-                <a:srgbClr val="000000"/>
-              </a:buClr>
-              <a:buSzPts val="1400"/>
-              <a:buFont typeface="Arial"/>
-              <a:buNone/>
-              <a:defRPr sz="1800" b="0" i="0" u="none" strike="noStrike" cap="none">
-                <a:solidFill>
-                  <a:srgbClr val="000000"/>
-                </a:solidFill>
-                <a:latin typeface="Arial"/>
-                <a:ea typeface="Arial"/>
-                <a:cs typeface="Arial"/>
-                <a:sym typeface="Arial"/>
-              </a:defRPr>
-            </a:lvl2pPr>
-            <a:lvl3pPr marR="0" lvl="2" algn="l" rtl="0">
-              <a:lnSpc>
-                <a:spcPct val="100000"/>
-              </a:lnSpc>
-              <a:spcBef>
-                <a:spcPts val="0"/>
-              </a:spcBef>
-              <a:spcAft>
-                <a:spcPts val="0"/>
-              </a:spcAft>
-              <a:buClr>
-                <a:srgbClr val="000000"/>
-              </a:buClr>
-              <a:buSzPts val="1400"/>
-              <a:buFont typeface="Arial"/>
-              <a:buNone/>
-              <a:defRPr sz="1800" b="0" i="0" u="none" strike="noStrike" cap="none">
-                <a:solidFill>
-                  <a:srgbClr val="000000"/>
-                </a:solidFill>
-                <a:latin typeface="Arial"/>
-                <a:ea typeface="Arial"/>
-                <a:cs typeface="Arial"/>
-                <a:sym typeface="Arial"/>
-              </a:defRPr>
-            </a:lvl3pPr>
-            <a:lvl4pPr marR="0" lvl="3" algn="l" rtl="0">
-              <a:lnSpc>
-                <a:spcPct val="100000"/>
-              </a:lnSpc>
-              <a:spcBef>
-                <a:spcPts val="0"/>
-              </a:spcBef>
-              <a:spcAft>
-                <a:spcPts val="0"/>
-              </a:spcAft>
-              <a:buClr>
-                <a:srgbClr val="000000"/>
-              </a:buClr>
-              <a:buSzPts val="1400"/>
-              <a:buFont typeface="Arial"/>
-              <a:buNone/>
-              <a:defRPr sz="1800" b="0" i="0" u="none" strike="noStrike" cap="none">
-                <a:solidFill>
-                  <a:srgbClr val="000000"/>
-                </a:solidFill>
-                <a:latin typeface="Arial"/>
-                <a:ea typeface="Arial"/>
-                <a:cs typeface="Arial"/>
-                <a:sym typeface="Arial"/>
-              </a:defRPr>
-            </a:lvl4pPr>
-            <a:lvl5pPr marR="0" lvl="4" algn="l" rtl="0">
-              <a:lnSpc>
-                <a:spcPct val="100000"/>
-              </a:lnSpc>
-              <a:spcBef>
-                <a:spcPts val="0"/>
-              </a:spcBef>
-              <a:spcAft>
-                <a:spcPts val="0"/>
-              </a:spcAft>
-              <a:buClr>
-                <a:srgbClr val="000000"/>
-              </a:buClr>
-              <a:buSzPts val="1400"/>
-              <a:buFont typeface="Arial"/>
-              <a:buNone/>
-              <a:defRPr sz="1800" b="0" i="0" u="none" strike="noStrike" cap="none">
-                <a:solidFill>
-                  <a:srgbClr val="000000"/>
-                </a:solidFill>
-                <a:latin typeface="Arial"/>
-                <a:ea typeface="Arial"/>
-                <a:cs typeface="Arial"/>
-                <a:sym typeface="Arial"/>
-              </a:defRPr>
-            </a:lvl5pPr>
-            <a:lvl6pPr marR="0" lvl="5" algn="l" rtl="0">
-              <a:lnSpc>
-                <a:spcPct val="100000"/>
-              </a:lnSpc>
-              <a:spcBef>
-                <a:spcPts val="0"/>
-              </a:spcBef>
-              <a:spcAft>
-                <a:spcPts val="0"/>
-              </a:spcAft>
-              <a:buClr>
-                <a:srgbClr val="000000"/>
-              </a:buClr>
-              <a:buSzPts val="1400"/>
-              <a:buFont typeface="Arial"/>
-              <a:buNone/>
-              <a:defRPr sz="1800" b="0" i="0" u="none" strike="noStrike" cap="none">
-                <a:solidFill>
-                  <a:srgbClr val="000000"/>
-                </a:solidFill>
-                <a:latin typeface="Arial"/>
-                <a:ea typeface="Arial"/>
-                <a:cs typeface="Arial"/>
-                <a:sym typeface="Arial"/>
-              </a:defRPr>
-            </a:lvl6pPr>
-            <a:lvl7pPr marR="0" lvl="6" algn="l" rtl="0">
-              <a:lnSpc>
-                <a:spcPct val="100000"/>
-              </a:lnSpc>
-              <a:spcBef>
-                <a:spcPts val="0"/>
-              </a:spcBef>
-              <a:spcAft>
-                <a:spcPts val="0"/>
-              </a:spcAft>
-              <a:buClr>
-                <a:srgbClr val="000000"/>
-              </a:buClr>
-              <a:buSzPts val="1400"/>
-              <a:buFont typeface="Arial"/>
-              <a:buNone/>
-              <a:defRPr sz="1800" b="0" i="0" u="none" strike="noStrike" cap="none">
-                <a:solidFill>
-                  <a:srgbClr val="000000"/>
-                </a:solidFill>
-                <a:latin typeface="Arial"/>
-                <a:ea typeface="Arial"/>
-                <a:cs typeface="Arial"/>
-                <a:sym typeface="Arial"/>
-              </a:defRPr>
-            </a:lvl7pPr>
-            <a:lvl8pPr marR="0" lvl="7" algn="l" rtl="0">
-              <a:lnSpc>
-                <a:spcPct val="100000"/>
-              </a:lnSpc>
-              <a:spcBef>
-                <a:spcPts val="0"/>
-              </a:spcBef>
-              <a:spcAft>
-                <a:spcPts val="0"/>
-              </a:spcAft>
-              <a:buClr>
-                <a:srgbClr val="000000"/>
-              </a:buClr>
-              <a:buSzPts val="1400"/>
-              <a:buFont typeface="Arial"/>
-              <a:buNone/>
-              <a:defRPr sz="1800" b="0" i="0" u="none" strike="noStrike" cap="none">
-                <a:solidFill>
-                  <a:srgbClr val="000000"/>
-                </a:solidFill>
-                <a:latin typeface="Arial"/>
-                <a:ea typeface="Arial"/>
-                <a:cs typeface="Arial"/>
-                <a:sym typeface="Arial"/>
-              </a:defRPr>
-            </a:lvl8pPr>
-            <a:lvl9pPr marR="0" lvl="8" algn="l" rtl="0">
-              <a:lnSpc>
-                <a:spcPct val="100000"/>
-              </a:lnSpc>
-              <a:spcBef>
-                <a:spcPts val="0"/>
-              </a:spcBef>
-              <a:spcAft>
-                <a:spcPts val="0"/>
-              </a:spcAft>
-              <a:buClr>
-                <a:srgbClr val="000000"/>
-              </a:buClr>
-              <a:buSzPts val="1400"/>
-              <a:buFont typeface="Arial"/>
-              <a:buNone/>
-              <a:defRPr sz="1800" b="0" i="0" u="none" strike="noStrike" cap="none">
-                <a:solidFill>
-                  <a:srgbClr val="000000"/>
-                </a:solidFill>
-                <a:latin typeface="Arial"/>
-                <a:ea typeface="Arial"/>
-                <a:cs typeface="Arial"/>
-                <a:sym typeface="Arial"/>
-              </a:defRPr>
-            </a:lvl9pPr>
-          </a:lstStyle>
-          <a:p>
-            <a:pPr>
-              <a:buSzPts val="4400"/>
-            </a:pPr>
-            <a:r>
-              <a:rPr lang="pt-BR" b="1" dirty="0">
-                <a:solidFill>
-                  <a:srgbClr val="B7302F"/>
-                </a:solidFill>
-              </a:rPr>
-              <a:t>Protótipo</a:t>
-            </a:r>
-          </a:p>
-        </p:txBody>
-      </p:sp>
-    </p:spTree>
-  </p:cSld>
-  <p:clrMapOvr>
-    <a:masterClrMapping/>
-  </p:clrMapOvr>
-</p:sld>
-</file>
-
-<file path=ppt/slides/slide19.xml><?xml version="1.0" encoding="utf-8"?>
-<p:sld xmlns:a="http://schemas.openxmlformats.org/drawingml/2006/main" xmlns:r="http://schemas.openxmlformats.org/officeDocument/2006/relationships" xmlns:p="http://schemas.openxmlformats.org/presentationml/2006/main">
-  <p:cSld>
-    <p:spTree>
-      <p:nvGrpSpPr>
         <p:cNvPr id="1" name="Shape 195"/>
         <p:cNvGrpSpPr/>
         <p:nvPr/>
@@ -19967,6 +19324,523 @@
                 </a:solidFill>
               </a:rPr>
               <a:t>Considerações finais</a:t>
+            </a:r>
+          </a:p>
+        </p:txBody>
+      </p:sp>
+    </p:spTree>
+  </p:cSld>
+  <p:clrMapOvr>
+    <a:masterClrMapping/>
+  </p:clrMapOvr>
+</p:sld>
+</file>
+
+<file path=ppt/slides/slide19.xml><?xml version="1.0" encoding="utf-8"?>
+<p:sld xmlns:a="http://schemas.openxmlformats.org/drawingml/2006/main" xmlns:r="http://schemas.openxmlformats.org/officeDocument/2006/relationships" xmlns:p="http://schemas.openxmlformats.org/presentationml/2006/main">
+  <p:cSld>
+    <p:spTree>
+      <p:nvGrpSpPr>
+        <p:cNvPr id="1" name="Shape 207"/>
+        <p:cNvGrpSpPr/>
+        <p:nvPr/>
+      </p:nvGrpSpPr>
+      <p:grpSpPr>
+        <a:xfrm>
+          <a:off x="0" y="0"/>
+          <a:ext cx="0" cy="0"/>
+          <a:chOff x="0" y="0"/>
+          <a:chExt cx="0" cy="0"/>
+        </a:xfrm>
+      </p:grpSpPr>
+      <p:sp>
+        <p:nvSpPr>
+          <p:cNvPr id="209" name="Google Shape;209;g5c737ccbd3_0_0"/>
+          <p:cNvSpPr txBox="1">
+            <a:spLocks noGrp="1"/>
+          </p:cNvSpPr>
+          <p:nvPr>
+            <p:ph type="body" idx="1"/>
+          </p:nvPr>
+        </p:nvSpPr>
+        <p:spPr>
+          <a:xfrm>
+            <a:off x="838200" y="1884180"/>
+            <a:ext cx="10515600" cy="3426300"/>
+          </a:xfrm>
+          <a:prstGeom prst="rect">
+            <a:avLst/>
+          </a:prstGeom>
+          <a:noFill/>
+          <a:ln>
+            <a:noFill/>
+          </a:ln>
+        </p:spPr>
+        <p:txBody>
+          <a:bodyPr spcFirstLastPara="1" wrap="square" lIns="91425" tIns="45700" rIns="91425" bIns="45700" anchor="t" anchorCtr="0">
+            <a:noAutofit/>
+          </a:bodyPr>
+          <a:lstStyle/>
+          <a:p>
+            <a:pPr marL="0" lvl="0" indent="0" algn="l" rtl="0">
+              <a:lnSpc>
+                <a:spcPct val="100000"/>
+              </a:lnSpc>
+              <a:spcBef>
+                <a:spcPts val="0"/>
+              </a:spcBef>
+              <a:spcAft>
+                <a:spcPts val="0"/>
+              </a:spcAft>
+              <a:buNone/>
+            </a:pPr>
+            <a:r>
+              <a:rPr lang="pt-BR" dirty="0"/>
+              <a:t>LAMIM J., O melhor jeito de aprender é ensinando, 2018. Disponível em:&lt;</a:t>
+            </a:r>
+            <a:r>
+              <a:rPr lang="pt-BR" dirty="0" err="1"/>
+              <a:t>http</a:t>
+            </a:r>
+            <a:r>
+              <a:rPr lang="pt-BR" dirty="0"/>
+              <a:t>://</a:t>
+            </a:r>
+            <a:r>
+              <a:rPr lang="pt-BR" dirty="0" err="1"/>
+              <a:t>www.spreading.com.br</a:t>
+            </a:r>
+            <a:r>
+              <a:rPr lang="pt-BR" dirty="0"/>
+              <a:t>/o-melhor-jeito-de-aprender-e-ensinando/&gt;. Acesso em: 27 </a:t>
+            </a:r>
+            <a:r>
+              <a:rPr lang="pt-BR" dirty="0" err="1"/>
+              <a:t>mai</a:t>
+            </a:r>
+            <a:r>
+              <a:rPr lang="pt-BR" dirty="0"/>
+              <a:t> 2019.</a:t>
+            </a:r>
+            <a:endParaRPr dirty="0"/>
+          </a:p>
+        </p:txBody>
+      </p:sp>
+      <p:cxnSp>
+        <p:nvCxnSpPr>
+          <p:cNvPr id="210" name="Google Shape;210;g5c737ccbd3_0_0"/>
+          <p:cNvCxnSpPr/>
+          <p:nvPr/>
+        </p:nvCxnSpPr>
+        <p:spPr>
+          <a:xfrm>
+            <a:off x="0" y="969484"/>
+            <a:ext cx="12096600" cy="21900"/>
+          </a:xfrm>
+          <a:prstGeom prst="straightConnector1">
+            <a:avLst/>
+          </a:prstGeom>
+          <a:noFill/>
+          <a:ln w="57150" cap="flat" cmpd="sng">
+            <a:solidFill>
+              <a:schemeClr val="dk1"/>
+            </a:solidFill>
+            <a:prstDash val="solid"/>
+            <a:miter lim="800000"/>
+            <a:headEnd type="none" w="sm" len="sm"/>
+            <a:tailEnd type="none" w="sm" len="sm"/>
+          </a:ln>
+        </p:spPr>
+      </p:cxnSp>
+      <p:pic>
+        <p:nvPicPr>
+          <p:cNvPr id="211" name="Google Shape;211;g5c737ccbd3_0_0" descr="logotipo-fatec-itapetininga-"/>
+          <p:cNvPicPr preferRelativeResize="0"/>
+          <p:nvPr/>
+        </p:nvPicPr>
+        <p:blipFill rotWithShape="1">
+          <a:blip r:embed="rId3">
+            <a:alphaModFix/>
+          </a:blip>
+          <a:srcRect r="37907"/>
+          <a:stretch/>
+        </p:blipFill>
+        <p:spPr>
+          <a:xfrm>
+            <a:off x="7837434" y="76687"/>
+            <a:ext cx="1430655" cy="819150"/>
+          </a:xfrm>
+          <a:prstGeom prst="rect">
+            <a:avLst/>
+          </a:prstGeom>
+          <a:noFill/>
+          <a:ln>
+            <a:noFill/>
+          </a:ln>
+        </p:spPr>
+      </p:pic>
+      <p:sp>
+        <p:nvSpPr>
+          <p:cNvPr id="212" name="Google Shape;212;g5c737ccbd3_0_0"/>
+          <p:cNvSpPr/>
+          <p:nvPr/>
+        </p:nvSpPr>
+        <p:spPr>
+          <a:xfrm>
+            <a:off x="9268089" y="76687"/>
+            <a:ext cx="9457800" cy="0"/>
+          </a:xfrm>
+          <a:prstGeom prst="rect">
+            <a:avLst/>
+          </a:prstGeom>
+          <a:noFill/>
+          <a:ln>
+            <a:noFill/>
+          </a:ln>
+        </p:spPr>
+        <p:txBody>
+          <a:bodyPr spcFirstLastPara="1" wrap="square" lIns="91425" tIns="45700" rIns="91425" bIns="45700" anchor="ctr" anchorCtr="0">
+            <a:noAutofit/>
+          </a:bodyPr>
+          <a:lstStyle/>
+          <a:p>
+            <a:pPr marL="0" marR="0" lvl="0" indent="0" algn="l" rtl="0">
+              <a:spcBef>
+                <a:spcPts val="0"/>
+              </a:spcBef>
+              <a:spcAft>
+                <a:spcPts val="0"/>
+              </a:spcAft>
+              <a:buNone/>
+            </a:pPr>
+            <a:endParaRPr sz="1800">
+              <a:solidFill>
+                <a:schemeClr val="dk1"/>
+              </a:solidFill>
+              <a:latin typeface="Calibri"/>
+              <a:ea typeface="Calibri"/>
+              <a:cs typeface="Calibri"/>
+              <a:sym typeface="Calibri"/>
+            </a:endParaRPr>
+          </a:p>
+        </p:txBody>
+      </p:sp>
+      <p:pic>
+        <p:nvPicPr>
+          <p:cNvPr id="213" name="Google Shape;213;g5c737ccbd3_0_0"/>
+          <p:cNvPicPr preferRelativeResize="0"/>
+          <p:nvPr/>
+        </p:nvPicPr>
+        <p:blipFill rotWithShape="1">
+          <a:blip r:embed="rId4">
+            <a:alphaModFix/>
+          </a:blip>
+          <a:srcRect/>
+          <a:stretch/>
+        </p:blipFill>
+        <p:spPr>
+          <a:xfrm>
+            <a:off x="9396683" y="76688"/>
+            <a:ext cx="2699837" cy="819150"/>
+          </a:xfrm>
+          <a:prstGeom prst="rect">
+            <a:avLst/>
+          </a:prstGeom>
+          <a:noFill/>
+          <a:ln>
+            <a:noFill/>
+          </a:ln>
+        </p:spPr>
+      </p:pic>
+      <p:sp>
+        <p:nvSpPr>
+          <p:cNvPr id="8" name="Google Shape;97;g5c6b059b7b_0_18">
+            <a:extLst>
+              <a:ext uri="{FF2B5EF4-FFF2-40B4-BE49-F238E27FC236}">
+                <a16:creationId xmlns:a16="http://schemas.microsoft.com/office/drawing/2014/main" id="{18ED2DF7-0727-3446-9195-69EA82B1894B}"/>
+              </a:ext>
+            </a:extLst>
+          </p:cNvPr>
+          <p:cNvSpPr txBox="1">
+            <a:spLocks/>
+          </p:cNvSpPr>
+          <p:nvPr/>
+        </p:nvSpPr>
+        <p:spPr>
+          <a:xfrm>
+            <a:off x="912511" y="-2853"/>
+            <a:ext cx="8690578" cy="935514"/>
+          </a:xfrm>
+          <a:prstGeom prst="rect">
+            <a:avLst/>
+          </a:prstGeom>
+          <a:noFill/>
+          <a:ln>
+            <a:noFill/>
+          </a:ln>
+        </p:spPr>
+        <p:txBody>
+          <a:bodyPr spcFirstLastPara="1" wrap="square" lIns="91425" tIns="45700" rIns="91425" bIns="45700" anchor="ctr" anchorCtr="0">
+            <a:noAutofit/>
+          </a:bodyPr>
+          <a:lstStyle>
+            <a:defPPr marR="0" lvl="0" algn="l" rtl="0">
+              <a:lnSpc>
+                <a:spcPct val="100000"/>
+              </a:lnSpc>
+              <a:spcBef>
+                <a:spcPts val="0"/>
+              </a:spcBef>
+              <a:spcAft>
+                <a:spcPts val="0"/>
+              </a:spcAft>
+            </a:defPPr>
+            <a:lvl1pPr marR="0" lvl="0" algn="l" rtl="0">
+              <a:lnSpc>
+                <a:spcPct val="90000"/>
+              </a:lnSpc>
+              <a:spcBef>
+                <a:spcPts val="0"/>
+              </a:spcBef>
+              <a:spcAft>
+                <a:spcPts val="0"/>
+              </a:spcAft>
+              <a:buClr>
+                <a:schemeClr val="dk1"/>
+              </a:buClr>
+              <a:buSzPts val="1800"/>
+              <a:buFont typeface="Calibri"/>
+              <a:buNone/>
+              <a:defRPr sz="4400" b="0" i="0" u="none" strike="noStrike" cap="none">
+                <a:solidFill>
+                  <a:schemeClr val="dk1"/>
+                </a:solidFill>
+                <a:latin typeface="Calibri"/>
+                <a:ea typeface="Calibri"/>
+                <a:cs typeface="Calibri"/>
+                <a:sym typeface="Calibri"/>
+              </a:defRPr>
+            </a:lvl1pPr>
+            <a:lvl2pPr marR="0" lvl="1" algn="l" rtl="0">
+              <a:lnSpc>
+                <a:spcPct val="100000"/>
+              </a:lnSpc>
+              <a:spcBef>
+                <a:spcPts val="0"/>
+              </a:spcBef>
+              <a:spcAft>
+                <a:spcPts val="0"/>
+              </a:spcAft>
+              <a:buClr>
+                <a:srgbClr val="000000"/>
+              </a:buClr>
+              <a:buSzPts val="1400"/>
+              <a:buFont typeface="Arial"/>
+              <a:buNone/>
+              <a:defRPr sz="1800" b="0" i="0" u="none" strike="noStrike" cap="none">
+                <a:solidFill>
+                  <a:srgbClr val="000000"/>
+                </a:solidFill>
+                <a:latin typeface="Arial"/>
+                <a:ea typeface="Arial"/>
+                <a:cs typeface="Arial"/>
+                <a:sym typeface="Arial"/>
+              </a:defRPr>
+            </a:lvl2pPr>
+            <a:lvl3pPr marR="0" lvl="2" algn="l" rtl="0">
+              <a:lnSpc>
+                <a:spcPct val="100000"/>
+              </a:lnSpc>
+              <a:spcBef>
+                <a:spcPts val="0"/>
+              </a:spcBef>
+              <a:spcAft>
+                <a:spcPts val="0"/>
+              </a:spcAft>
+              <a:buClr>
+                <a:srgbClr val="000000"/>
+              </a:buClr>
+              <a:buSzPts val="1400"/>
+              <a:buFont typeface="Arial"/>
+              <a:buNone/>
+              <a:defRPr sz="1800" b="0" i="0" u="none" strike="noStrike" cap="none">
+                <a:solidFill>
+                  <a:srgbClr val="000000"/>
+                </a:solidFill>
+                <a:latin typeface="Arial"/>
+                <a:ea typeface="Arial"/>
+                <a:cs typeface="Arial"/>
+                <a:sym typeface="Arial"/>
+              </a:defRPr>
+            </a:lvl3pPr>
+            <a:lvl4pPr marR="0" lvl="3" algn="l" rtl="0">
+              <a:lnSpc>
+                <a:spcPct val="100000"/>
+              </a:lnSpc>
+              <a:spcBef>
+                <a:spcPts val="0"/>
+              </a:spcBef>
+              <a:spcAft>
+                <a:spcPts val="0"/>
+              </a:spcAft>
+              <a:buClr>
+                <a:srgbClr val="000000"/>
+              </a:buClr>
+              <a:buSzPts val="1400"/>
+              <a:buFont typeface="Arial"/>
+              <a:buNone/>
+              <a:defRPr sz="1800" b="0" i="0" u="none" strike="noStrike" cap="none">
+                <a:solidFill>
+                  <a:srgbClr val="000000"/>
+                </a:solidFill>
+                <a:latin typeface="Arial"/>
+                <a:ea typeface="Arial"/>
+                <a:cs typeface="Arial"/>
+                <a:sym typeface="Arial"/>
+              </a:defRPr>
+            </a:lvl4pPr>
+            <a:lvl5pPr marR="0" lvl="4" algn="l" rtl="0">
+              <a:lnSpc>
+                <a:spcPct val="100000"/>
+              </a:lnSpc>
+              <a:spcBef>
+                <a:spcPts val="0"/>
+              </a:spcBef>
+              <a:spcAft>
+                <a:spcPts val="0"/>
+              </a:spcAft>
+              <a:buClr>
+                <a:srgbClr val="000000"/>
+              </a:buClr>
+              <a:buSzPts val="1400"/>
+              <a:buFont typeface="Arial"/>
+              <a:buNone/>
+              <a:defRPr sz="1800" b="0" i="0" u="none" strike="noStrike" cap="none">
+                <a:solidFill>
+                  <a:srgbClr val="000000"/>
+                </a:solidFill>
+                <a:latin typeface="Arial"/>
+                <a:ea typeface="Arial"/>
+                <a:cs typeface="Arial"/>
+                <a:sym typeface="Arial"/>
+              </a:defRPr>
+            </a:lvl5pPr>
+            <a:lvl6pPr marR="0" lvl="5" algn="l" rtl="0">
+              <a:lnSpc>
+                <a:spcPct val="100000"/>
+              </a:lnSpc>
+              <a:spcBef>
+                <a:spcPts val="0"/>
+              </a:spcBef>
+              <a:spcAft>
+                <a:spcPts val="0"/>
+              </a:spcAft>
+              <a:buClr>
+                <a:srgbClr val="000000"/>
+              </a:buClr>
+              <a:buSzPts val="1400"/>
+              <a:buFont typeface="Arial"/>
+              <a:buNone/>
+              <a:defRPr sz="1800" b="0" i="0" u="none" strike="noStrike" cap="none">
+                <a:solidFill>
+                  <a:srgbClr val="000000"/>
+                </a:solidFill>
+                <a:latin typeface="Arial"/>
+                <a:ea typeface="Arial"/>
+                <a:cs typeface="Arial"/>
+                <a:sym typeface="Arial"/>
+              </a:defRPr>
+            </a:lvl6pPr>
+            <a:lvl7pPr marR="0" lvl="6" algn="l" rtl="0">
+              <a:lnSpc>
+                <a:spcPct val="100000"/>
+              </a:lnSpc>
+              <a:spcBef>
+                <a:spcPts val="0"/>
+              </a:spcBef>
+              <a:spcAft>
+                <a:spcPts val="0"/>
+              </a:spcAft>
+              <a:buClr>
+                <a:srgbClr val="000000"/>
+              </a:buClr>
+              <a:buSzPts val="1400"/>
+              <a:buFont typeface="Arial"/>
+              <a:buNone/>
+              <a:defRPr sz="1800" b="0" i="0" u="none" strike="noStrike" cap="none">
+                <a:solidFill>
+                  <a:srgbClr val="000000"/>
+                </a:solidFill>
+                <a:latin typeface="Arial"/>
+                <a:ea typeface="Arial"/>
+                <a:cs typeface="Arial"/>
+                <a:sym typeface="Arial"/>
+              </a:defRPr>
+            </a:lvl7pPr>
+            <a:lvl8pPr marR="0" lvl="7" algn="l" rtl="0">
+              <a:lnSpc>
+                <a:spcPct val="100000"/>
+              </a:lnSpc>
+              <a:spcBef>
+                <a:spcPts val="0"/>
+              </a:spcBef>
+              <a:spcAft>
+                <a:spcPts val="0"/>
+              </a:spcAft>
+              <a:buClr>
+                <a:srgbClr val="000000"/>
+              </a:buClr>
+              <a:buSzPts val="1400"/>
+              <a:buFont typeface="Arial"/>
+              <a:buNone/>
+              <a:defRPr sz="1800" b="0" i="0" u="none" strike="noStrike" cap="none">
+                <a:solidFill>
+                  <a:srgbClr val="000000"/>
+                </a:solidFill>
+                <a:latin typeface="Arial"/>
+                <a:ea typeface="Arial"/>
+                <a:cs typeface="Arial"/>
+                <a:sym typeface="Arial"/>
+              </a:defRPr>
+            </a:lvl8pPr>
+            <a:lvl9pPr marR="0" lvl="8" algn="l" rtl="0">
+              <a:lnSpc>
+                <a:spcPct val="100000"/>
+              </a:lnSpc>
+              <a:spcBef>
+                <a:spcPts val="0"/>
+              </a:spcBef>
+              <a:spcAft>
+                <a:spcPts val="0"/>
+              </a:spcAft>
+              <a:buClr>
+                <a:srgbClr val="000000"/>
+              </a:buClr>
+              <a:buSzPts val="1400"/>
+              <a:buFont typeface="Arial"/>
+              <a:buNone/>
+              <a:defRPr sz="1800" b="0" i="0" u="none" strike="noStrike" cap="none">
+                <a:solidFill>
+                  <a:srgbClr val="000000"/>
+                </a:solidFill>
+                <a:latin typeface="Arial"/>
+                <a:ea typeface="Arial"/>
+                <a:cs typeface="Arial"/>
+                <a:sym typeface="Arial"/>
+              </a:defRPr>
+            </a:lvl9pPr>
+          </a:lstStyle>
+          <a:p>
+            <a:pPr>
+              <a:buSzPts val="4400"/>
+            </a:pPr>
+            <a:r>
+              <a:rPr lang="pt-BR" b="1" dirty="0">
+                <a:solidFill>
+                  <a:srgbClr val="B7302F"/>
+                </a:solidFill>
+              </a:rPr>
+              <a:t>Referências</a:t>
             </a:r>
           </a:p>
         </p:txBody>
@@ -20338,523 +20212,6 @@
 </file>
 
 <file path=ppt/slides/slide20.xml><?xml version="1.0" encoding="utf-8"?>
-<p:sld xmlns:a="http://schemas.openxmlformats.org/drawingml/2006/main" xmlns:r="http://schemas.openxmlformats.org/officeDocument/2006/relationships" xmlns:p="http://schemas.openxmlformats.org/presentationml/2006/main">
-  <p:cSld>
-    <p:spTree>
-      <p:nvGrpSpPr>
-        <p:cNvPr id="1" name="Shape 207"/>
-        <p:cNvGrpSpPr/>
-        <p:nvPr/>
-      </p:nvGrpSpPr>
-      <p:grpSpPr>
-        <a:xfrm>
-          <a:off x="0" y="0"/>
-          <a:ext cx="0" cy="0"/>
-          <a:chOff x="0" y="0"/>
-          <a:chExt cx="0" cy="0"/>
-        </a:xfrm>
-      </p:grpSpPr>
-      <p:sp>
-        <p:nvSpPr>
-          <p:cNvPr id="209" name="Google Shape;209;g5c737ccbd3_0_0"/>
-          <p:cNvSpPr txBox="1">
-            <a:spLocks noGrp="1"/>
-          </p:cNvSpPr>
-          <p:nvPr>
-            <p:ph type="body" idx="1"/>
-          </p:nvPr>
-        </p:nvSpPr>
-        <p:spPr>
-          <a:xfrm>
-            <a:off x="838200" y="1884180"/>
-            <a:ext cx="10515600" cy="3426300"/>
-          </a:xfrm>
-          <a:prstGeom prst="rect">
-            <a:avLst/>
-          </a:prstGeom>
-          <a:noFill/>
-          <a:ln>
-            <a:noFill/>
-          </a:ln>
-        </p:spPr>
-        <p:txBody>
-          <a:bodyPr spcFirstLastPara="1" wrap="square" lIns="91425" tIns="45700" rIns="91425" bIns="45700" anchor="t" anchorCtr="0">
-            <a:noAutofit/>
-          </a:bodyPr>
-          <a:lstStyle/>
-          <a:p>
-            <a:pPr marL="0" lvl="0" indent="0" algn="l" rtl="0">
-              <a:lnSpc>
-                <a:spcPct val="100000"/>
-              </a:lnSpc>
-              <a:spcBef>
-                <a:spcPts val="0"/>
-              </a:spcBef>
-              <a:spcAft>
-                <a:spcPts val="0"/>
-              </a:spcAft>
-              <a:buNone/>
-            </a:pPr>
-            <a:r>
-              <a:rPr lang="pt-BR" dirty="0"/>
-              <a:t>LAMIM J., O melhor jeito de aprender é ensinando, 2018. Disponível em:&lt;</a:t>
-            </a:r>
-            <a:r>
-              <a:rPr lang="pt-BR" dirty="0" err="1"/>
-              <a:t>http</a:t>
-            </a:r>
-            <a:r>
-              <a:rPr lang="pt-BR" dirty="0"/>
-              <a:t>://</a:t>
-            </a:r>
-            <a:r>
-              <a:rPr lang="pt-BR" dirty="0" err="1"/>
-              <a:t>www.spreading.com.br</a:t>
-            </a:r>
-            <a:r>
-              <a:rPr lang="pt-BR" dirty="0"/>
-              <a:t>/o-melhor-jeito-de-aprender-e-ensinando/&gt;. Acesso em: 27 </a:t>
-            </a:r>
-            <a:r>
-              <a:rPr lang="pt-BR" dirty="0" err="1"/>
-              <a:t>mai</a:t>
-            </a:r>
-            <a:r>
-              <a:rPr lang="pt-BR" dirty="0"/>
-              <a:t> 2019.</a:t>
-            </a:r>
-            <a:endParaRPr dirty="0"/>
-          </a:p>
-        </p:txBody>
-      </p:sp>
-      <p:cxnSp>
-        <p:nvCxnSpPr>
-          <p:cNvPr id="210" name="Google Shape;210;g5c737ccbd3_0_0"/>
-          <p:cNvCxnSpPr/>
-          <p:nvPr/>
-        </p:nvCxnSpPr>
-        <p:spPr>
-          <a:xfrm>
-            <a:off x="0" y="969484"/>
-            <a:ext cx="12096600" cy="21900"/>
-          </a:xfrm>
-          <a:prstGeom prst="straightConnector1">
-            <a:avLst/>
-          </a:prstGeom>
-          <a:noFill/>
-          <a:ln w="57150" cap="flat" cmpd="sng">
-            <a:solidFill>
-              <a:schemeClr val="dk1"/>
-            </a:solidFill>
-            <a:prstDash val="solid"/>
-            <a:miter lim="800000"/>
-            <a:headEnd type="none" w="sm" len="sm"/>
-            <a:tailEnd type="none" w="sm" len="sm"/>
-          </a:ln>
-        </p:spPr>
-      </p:cxnSp>
-      <p:pic>
-        <p:nvPicPr>
-          <p:cNvPr id="211" name="Google Shape;211;g5c737ccbd3_0_0" descr="logotipo-fatec-itapetininga-"/>
-          <p:cNvPicPr preferRelativeResize="0"/>
-          <p:nvPr/>
-        </p:nvPicPr>
-        <p:blipFill rotWithShape="1">
-          <a:blip r:embed="rId3">
-            <a:alphaModFix/>
-          </a:blip>
-          <a:srcRect r="37907"/>
-          <a:stretch/>
-        </p:blipFill>
-        <p:spPr>
-          <a:xfrm>
-            <a:off x="7837434" y="76687"/>
-            <a:ext cx="1430655" cy="819150"/>
-          </a:xfrm>
-          <a:prstGeom prst="rect">
-            <a:avLst/>
-          </a:prstGeom>
-          <a:noFill/>
-          <a:ln>
-            <a:noFill/>
-          </a:ln>
-        </p:spPr>
-      </p:pic>
-      <p:sp>
-        <p:nvSpPr>
-          <p:cNvPr id="212" name="Google Shape;212;g5c737ccbd3_0_0"/>
-          <p:cNvSpPr/>
-          <p:nvPr/>
-        </p:nvSpPr>
-        <p:spPr>
-          <a:xfrm>
-            <a:off x="9268089" y="76687"/>
-            <a:ext cx="9457800" cy="0"/>
-          </a:xfrm>
-          <a:prstGeom prst="rect">
-            <a:avLst/>
-          </a:prstGeom>
-          <a:noFill/>
-          <a:ln>
-            <a:noFill/>
-          </a:ln>
-        </p:spPr>
-        <p:txBody>
-          <a:bodyPr spcFirstLastPara="1" wrap="square" lIns="91425" tIns="45700" rIns="91425" bIns="45700" anchor="ctr" anchorCtr="0">
-            <a:noAutofit/>
-          </a:bodyPr>
-          <a:lstStyle/>
-          <a:p>
-            <a:pPr marL="0" marR="0" lvl="0" indent="0" algn="l" rtl="0">
-              <a:spcBef>
-                <a:spcPts val="0"/>
-              </a:spcBef>
-              <a:spcAft>
-                <a:spcPts val="0"/>
-              </a:spcAft>
-              <a:buNone/>
-            </a:pPr>
-            <a:endParaRPr sz="1800">
-              <a:solidFill>
-                <a:schemeClr val="dk1"/>
-              </a:solidFill>
-              <a:latin typeface="Calibri"/>
-              <a:ea typeface="Calibri"/>
-              <a:cs typeface="Calibri"/>
-              <a:sym typeface="Calibri"/>
-            </a:endParaRPr>
-          </a:p>
-        </p:txBody>
-      </p:sp>
-      <p:pic>
-        <p:nvPicPr>
-          <p:cNvPr id="213" name="Google Shape;213;g5c737ccbd3_0_0"/>
-          <p:cNvPicPr preferRelativeResize="0"/>
-          <p:nvPr/>
-        </p:nvPicPr>
-        <p:blipFill rotWithShape="1">
-          <a:blip r:embed="rId4">
-            <a:alphaModFix/>
-          </a:blip>
-          <a:srcRect/>
-          <a:stretch/>
-        </p:blipFill>
-        <p:spPr>
-          <a:xfrm>
-            <a:off x="9396683" y="76688"/>
-            <a:ext cx="2699837" cy="819150"/>
-          </a:xfrm>
-          <a:prstGeom prst="rect">
-            <a:avLst/>
-          </a:prstGeom>
-          <a:noFill/>
-          <a:ln>
-            <a:noFill/>
-          </a:ln>
-        </p:spPr>
-      </p:pic>
-      <p:sp>
-        <p:nvSpPr>
-          <p:cNvPr id="8" name="Google Shape;97;g5c6b059b7b_0_18">
-            <a:extLst>
-              <a:ext uri="{FF2B5EF4-FFF2-40B4-BE49-F238E27FC236}">
-                <a16:creationId xmlns:a16="http://schemas.microsoft.com/office/drawing/2014/main" id="{18ED2DF7-0727-3446-9195-69EA82B1894B}"/>
-              </a:ext>
-            </a:extLst>
-          </p:cNvPr>
-          <p:cNvSpPr txBox="1">
-            <a:spLocks/>
-          </p:cNvSpPr>
-          <p:nvPr/>
-        </p:nvSpPr>
-        <p:spPr>
-          <a:xfrm>
-            <a:off x="912511" y="-2853"/>
-            <a:ext cx="8690578" cy="935514"/>
-          </a:xfrm>
-          <a:prstGeom prst="rect">
-            <a:avLst/>
-          </a:prstGeom>
-          <a:noFill/>
-          <a:ln>
-            <a:noFill/>
-          </a:ln>
-        </p:spPr>
-        <p:txBody>
-          <a:bodyPr spcFirstLastPara="1" wrap="square" lIns="91425" tIns="45700" rIns="91425" bIns="45700" anchor="ctr" anchorCtr="0">
-            <a:noAutofit/>
-          </a:bodyPr>
-          <a:lstStyle>
-            <a:defPPr marR="0" lvl="0" algn="l" rtl="0">
-              <a:lnSpc>
-                <a:spcPct val="100000"/>
-              </a:lnSpc>
-              <a:spcBef>
-                <a:spcPts val="0"/>
-              </a:spcBef>
-              <a:spcAft>
-                <a:spcPts val="0"/>
-              </a:spcAft>
-            </a:defPPr>
-            <a:lvl1pPr marR="0" lvl="0" algn="l" rtl="0">
-              <a:lnSpc>
-                <a:spcPct val="90000"/>
-              </a:lnSpc>
-              <a:spcBef>
-                <a:spcPts val="0"/>
-              </a:spcBef>
-              <a:spcAft>
-                <a:spcPts val="0"/>
-              </a:spcAft>
-              <a:buClr>
-                <a:schemeClr val="dk1"/>
-              </a:buClr>
-              <a:buSzPts val="1800"/>
-              <a:buFont typeface="Calibri"/>
-              <a:buNone/>
-              <a:defRPr sz="4400" b="0" i="0" u="none" strike="noStrike" cap="none">
-                <a:solidFill>
-                  <a:schemeClr val="dk1"/>
-                </a:solidFill>
-                <a:latin typeface="Calibri"/>
-                <a:ea typeface="Calibri"/>
-                <a:cs typeface="Calibri"/>
-                <a:sym typeface="Calibri"/>
-              </a:defRPr>
-            </a:lvl1pPr>
-            <a:lvl2pPr marR="0" lvl="1" algn="l" rtl="0">
-              <a:lnSpc>
-                <a:spcPct val="100000"/>
-              </a:lnSpc>
-              <a:spcBef>
-                <a:spcPts val="0"/>
-              </a:spcBef>
-              <a:spcAft>
-                <a:spcPts val="0"/>
-              </a:spcAft>
-              <a:buClr>
-                <a:srgbClr val="000000"/>
-              </a:buClr>
-              <a:buSzPts val="1400"/>
-              <a:buFont typeface="Arial"/>
-              <a:buNone/>
-              <a:defRPr sz="1800" b="0" i="0" u="none" strike="noStrike" cap="none">
-                <a:solidFill>
-                  <a:srgbClr val="000000"/>
-                </a:solidFill>
-                <a:latin typeface="Arial"/>
-                <a:ea typeface="Arial"/>
-                <a:cs typeface="Arial"/>
-                <a:sym typeface="Arial"/>
-              </a:defRPr>
-            </a:lvl2pPr>
-            <a:lvl3pPr marR="0" lvl="2" algn="l" rtl="0">
-              <a:lnSpc>
-                <a:spcPct val="100000"/>
-              </a:lnSpc>
-              <a:spcBef>
-                <a:spcPts val="0"/>
-              </a:spcBef>
-              <a:spcAft>
-                <a:spcPts val="0"/>
-              </a:spcAft>
-              <a:buClr>
-                <a:srgbClr val="000000"/>
-              </a:buClr>
-              <a:buSzPts val="1400"/>
-              <a:buFont typeface="Arial"/>
-              <a:buNone/>
-              <a:defRPr sz="1800" b="0" i="0" u="none" strike="noStrike" cap="none">
-                <a:solidFill>
-                  <a:srgbClr val="000000"/>
-                </a:solidFill>
-                <a:latin typeface="Arial"/>
-                <a:ea typeface="Arial"/>
-                <a:cs typeface="Arial"/>
-                <a:sym typeface="Arial"/>
-              </a:defRPr>
-            </a:lvl3pPr>
-            <a:lvl4pPr marR="0" lvl="3" algn="l" rtl="0">
-              <a:lnSpc>
-                <a:spcPct val="100000"/>
-              </a:lnSpc>
-              <a:spcBef>
-                <a:spcPts val="0"/>
-              </a:spcBef>
-              <a:spcAft>
-                <a:spcPts val="0"/>
-              </a:spcAft>
-              <a:buClr>
-                <a:srgbClr val="000000"/>
-              </a:buClr>
-              <a:buSzPts val="1400"/>
-              <a:buFont typeface="Arial"/>
-              <a:buNone/>
-              <a:defRPr sz="1800" b="0" i="0" u="none" strike="noStrike" cap="none">
-                <a:solidFill>
-                  <a:srgbClr val="000000"/>
-                </a:solidFill>
-                <a:latin typeface="Arial"/>
-                <a:ea typeface="Arial"/>
-                <a:cs typeface="Arial"/>
-                <a:sym typeface="Arial"/>
-              </a:defRPr>
-            </a:lvl4pPr>
-            <a:lvl5pPr marR="0" lvl="4" algn="l" rtl="0">
-              <a:lnSpc>
-                <a:spcPct val="100000"/>
-              </a:lnSpc>
-              <a:spcBef>
-                <a:spcPts val="0"/>
-              </a:spcBef>
-              <a:spcAft>
-                <a:spcPts val="0"/>
-              </a:spcAft>
-              <a:buClr>
-                <a:srgbClr val="000000"/>
-              </a:buClr>
-              <a:buSzPts val="1400"/>
-              <a:buFont typeface="Arial"/>
-              <a:buNone/>
-              <a:defRPr sz="1800" b="0" i="0" u="none" strike="noStrike" cap="none">
-                <a:solidFill>
-                  <a:srgbClr val="000000"/>
-                </a:solidFill>
-                <a:latin typeface="Arial"/>
-                <a:ea typeface="Arial"/>
-                <a:cs typeface="Arial"/>
-                <a:sym typeface="Arial"/>
-              </a:defRPr>
-            </a:lvl5pPr>
-            <a:lvl6pPr marR="0" lvl="5" algn="l" rtl="0">
-              <a:lnSpc>
-                <a:spcPct val="100000"/>
-              </a:lnSpc>
-              <a:spcBef>
-                <a:spcPts val="0"/>
-              </a:spcBef>
-              <a:spcAft>
-                <a:spcPts val="0"/>
-              </a:spcAft>
-              <a:buClr>
-                <a:srgbClr val="000000"/>
-              </a:buClr>
-              <a:buSzPts val="1400"/>
-              <a:buFont typeface="Arial"/>
-              <a:buNone/>
-              <a:defRPr sz="1800" b="0" i="0" u="none" strike="noStrike" cap="none">
-                <a:solidFill>
-                  <a:srgbClr val="000000"/>
-                </a:solidFill>
-                <a:latin typeface="Arial"/>
-                <a:ea typeface="Arial"/>
-                <a:cs typeface="Arial"/>
-                <a:sym typeface="Arial"/>
-              </a:defRPr>
-            </a:lvl6pPr>
-            <a:lvl7pPr marR="0" lvl="6" algn="l" rtl="0">
-              <a:lnSpc>
-                <a:spcPct val="100000"/>
-              </a:lnSpc>
-              <a:spcBef>
-                <a:spcPts val="0"/>
-              </a:spcBef>
-              <a:spcAft>
-                <a:spcPts val="0"/>
-              </a:spcAft>
-              <a:buClr>
-                <a:srgbClr val="000000"/>
-              </a:buClr>
-              <a:buSzPts val="1400"/>
-              <a:buFont typeface="Arial"/>
-              <a:buNone/>
-              <a:defRPr sz="1800" b="0" i="0" u="none" strike="noStrike" cap="none">
-                <a:solidFill>
-                  <a:srgbClr val="000000"/>
-                </a:solidFill>
-                <a:latin typeface="Arial"/>
-                <a:ea typeface="Arial"/>
-                <a:cs typeface="Arial"/>
-                <a:sym typeface="Arial"/>
-              </a:defRPr>
-            </a:lvl7pPr>
-            <a:lvl8pPr marR="0" lvl="7" algn="l" rtl="0">
-              <a:lnSpc>
-                <a:spcPct val="100000"/>
-              </a:lnSpc>
-              <a:spcBef>
-                <a:spcPts val="0"/>
-              </a:spcBef>
-              <a:spcAft>
-                <a:spcPts val="0"/>
-              </a:spcAft>
-              <a:buClr>
-                <a:srgbClr val="000000"/>
-              </a:buClr>
-              <a:buSzPts val="1400"/>
-              <a:buFont typeface="Arial"/>
-              <a:buNone/>
-              <a:defRPr sz="1800" b="0" i="0" u="none" strike="noStrike" cap="none">
-                <a:solidFill>
-                  <a:srgbClr val="000000"/>
-                </a:solidFill>
-                <a:latin typeface="Arial"/>
-                <a:ea typeface="Arial"/>
-                <a:cs typeface="Arial"/>
-                <a:sym typeface="Arial"/>
-              </a:defRPr>
-            </a:lvl8pPr>
-            <a:lvl9pPr marR="0" lvl="8" algn="l" rtl="0">
-              <a:lnSpc>
-                <a:spcPct val="100000"/>
-              </a:lnSpc>
-              <a:spcBef>
-                <a:spcPts val="0"/>
-              </a:spcBef>
-              <a:spcAft>
-                <a:spcPts val="0"/>
-              </a:spcAft>
-              <a:buClr>
-                <a:srgbClr val="000000"/>
-              </a:buClr>
-              <a:buSzPts val="1400"/>
-              <a:buFont typeface="Arial"/>
-              <a:buNone/>
-              <a:defRPr sz="1800" b="0" i="0" u="none" strike="noStrike" cap="none">
-                <a:solidFill>
-                  <a:srgbClr val="000000"/>
-                </a:solidFill>
-                <a:latin typeface="Arial"/>
-                <a:ea typeface="Arial"/>
-                <a:cs typeface="Arial"/>
-                <a:sym typeface="Arial"/>
-              </a:defRPr>
-            </a:lvl9pPr>
-          </a:lstStyle>
-          <a:p>
-            <a:pPr>
-              <a:buSzPts val="4400"/>
-            </a:pPr>
-            <a:r>
-              <a:rPr lang="pt-BR" b="1" dirty="0">
-                <a:solidFill>
-                  <a:srgbClr val="B7302F"/>
-                </a:solidFill>
-              </a:rPr>
-              <a:t>Referências</a:t>
-            </a:r>
-          </a:p>
-        </p:txBody>
-      </p:sp>
-    </p:spTree>
-  </p:cSld>
-  <p:clrMapOvr>
-    <a:masterClrMapping/>
-  </p:clrMapOvr>
-</p:sld>
-</file>
-
-<file path=ppt/slides/slide21.xml><?xml version="1.0" encoding="utf-8"?>
 <p:sld xmlns:a="http://schemas.openxmlformats.org/drawingml/2006/main" xmlns:r="http://schemas.openxmlformats.org/officeDocument/2006/relationships" xmlns:p="http://schemas.openxmlformats.org/presentationml/2006/main">
   <p:cSld>
     <p:spTree>
@@ -22403,9 +21760,13 @@
             </a:pPr>
             <a:r>
               <a:rPr lang="pt-BR" dirty="0"/>
-              <a:t>Problema atual</a:t>
+              <a:t>Plataforma </a:t>
             </a:r>
-            <a:endParaRPr dirty="0"/>
+            <a:r>
+              <a:rPr lang="pt-BR" dirty="0" err="1"/>
+              <a:t>Brainly</a:t>
+            </a:r>
+            <a:endParaRPr lang="pt-BR" dirty="0"/>
           </a:p>
           <a:p>
             <a:pPr marL="457200" lvl="0" indent="-342900" algn="l" rtl="0">
@@ -22423,11 +21784,7 @@
             </a:pPr>
             <a:r>
               <a:rPr lang="pt-BR" dirty="0"/>
-              <a:t>Plataforma </a:t>
-            </a:r>
-            <a:r>
-              <a:rPr lang="pt-BR" dirty="0" err="1"/>
-              <a:t>Brainly</a:t>
+              <a:t>Problema atual</a:t>
             </a:r>
             <a:endParaRPr dirty="0"/>
           </a:p>

--- a/Apresentacao-Helpin-Final.pptx
+++ b/Apresentacao-Helpin-Final.pptx
@@ -23,8 +23,8 @@
     <p:sldId id="274" r:id="rId14"/>
     <p:sldId id="262" r:id="rId15"/>
     <p:sldId id="277" r:id="rId16"/>
-    <p:sldId id="263" r:id="rId17"/>
-    <p:sldId id="264" r:id="rId18"/>
+    <p:sldId id="264" r:id="rId17"/>
+    <p:sldId id="263" r:id="rId18"/>
     <p:sldId id="265" r:id="rId19"/>
     <p:sldId id="266" r:id="rId20"/>
     <p:sldId id="278" r:id="rId21"/>
@@ -1468,6 +1468,110 @@
   <p:cSld>
     <p:spTree>
       <p:nvGrpSpPr>
+        <p:cNvPr id="1" name="Shape 182"/>
+        <p:cNvGrpSpPr/>
+        <p:nvPr/>
+      </p:nvGrpSpPr>
+      <p:grpSpPr>
+        <a:xfrm>
+          <a:off x="0" y="0"/>
+          <a:ext cx="0" cy="0"/>
+          <a:chOff x="0" y="0"/>
+          <a:chExt cx="0" cy="0"/>
+        </a:xfrm>
+      </p:grpSpPr>
+      <p:sp>
+        <p:nvSpPr>
+          <p:cNvPr id="183" name="Google Shape;183;g5b93e47ffc_0_123:notes"/>
+          <p:cNvSpPr txBox="1">
+            <a:spLocks noGrp="1"/>
+          </p:cNvSpPr>
+          <p:nvPr>
+            <p:ph type="body" idx="1"/>
+          </p:nvPr>
+        </p:nvSpPr>
+        <p:spPr>
+          <a:xfrm>
+            <a:off x="685800" y="4343400"/>
+            <a:ext cx="5486400" cy="4114800"/>
+          </a:xfrm>
+          <a:prstGeom prst="rect">
+            <a:avLst/>
+          </a:prstGeom>
+        </p:spPr>
+        <p:txBody>
+          <a:bodyPr spcFirstLastPara="1" wrap="square" lIns="91425" tIns="91425" rIns="91425" bIns="91425" anchor="t" anchorCtr="0">
+            <a:noAutofit/>
+          </a:bodyPr>
+          <a:lstStyle/>
+          <a:p>
+            <a:pPr marL="0" lvl="0" indent="0" algn="l" rtl="0">
+              <a:spcBef>
+                <a:spcPts val="0"/>
+              </a:spcBef>
+              <a:spcAft>
+                <a:spcPts val="0"/>
+              </a:spcAft>
+              <a:buNone/>
+            </a:pPr>
+            <a:endParaRPr/>
+          </a:p>
+        </p:txBody>
+      </p:sp>
+      <p:sp>
+        <p:nvSpPr>
+          <p:cNvPr id="184" name="Google Shape;184;g5b93e47ffc_0_123:notes"/>
+          <p:cNvSpPr>
+            <a:spLocks noGrp="1" noRot="1" noChangeAspect="1"/>
+          </p:cNvSpPr>
+          <p:nvPr>
+            <p:ph type="sldImg" idx="2"/>
+          </p:nvPr>
+        </p:nvSpPr>
+        <p:spPr>
+          <a:xfrm>
+            <a:off x="381000" y="685800"/>
+            <a:ext cx="6096000" cy="3429000"/>
+          </a:xfrm>
+          <a:custGeom>
+            <a:avLst/>
+            <a:gdLst/>
+            <a:ahLst/>
+            <a:cxnLst/>
+            <a:rect l="l" t="t" r="r" b="b"/>
+            <a:pathLst>
+              <a:path w="120000" h="120000" extrusionOk="0">
+                <a:moveTo>
+                  <a:pt x="0" y="0"/>
+                </a:moveTo>
+                <a:lnTo>
+                  <a:pt x="120000" y="0"/>
+                </a:lnTo>
+                <a:lnTo>
+                  <a:pt x="120000" y="120000"/>
+                </a:lnTo>
+                <a:lnTo>
+                  <a:pt x="0" y="120000"/>
+                </a:lnTo>
+                <a:close/>
+              </a:path>
+            </a:pathLst>
+          </a:custGeom>
+        </p:spPr>
+      </p:sp>
+    </p:spTree>
+  </p:cSld>
+  <p:clrMapOvr>
+    <a:masterClrMapping/>
+  </p:clrMapOvr>
+</p:notes>
+</file>
+
+<file path=ppt/notesSlides/notesSlide17.xml><?xml version="1.0" encoding="utf-8"?>
+<p:notes xmlns:a="http://schemas.openxmlformats.org/drawingml/2006/main" xmlns:r="http://schemas.openxmlformats.org/officeDocument/2006/relationships" xmlns:p="http://schemas.openxmlformats.org/presentationml/2006/main" showMasterSp="0" showMasterPhAnim="0">
+  <p:cSld>
+    <p:spTree>
+      <p:nvGrpSpPr>
         <p:cNvPr id="1" name="Shape 171"/>
         <p:cNvGrpSpPr/>
         <p:nvPr/>
@@ -1521,110 +1625,6 @@
       <p:sp>
         <p:nvSpPr>
           <p:cNvPr id="173" name="Google Shape;173;g5b93e47ffc_0_109:notes"/>
-          <p:cNvSpPr>
-            <a:spLocks noGrp="1" noRot="1" noChangeAspect="1"/>
-          </p:cNvSpPr>
-          <p:nvPr>
-            <p:ph type="sldImg" idx="2"/>
-          </p:nvPr>
-        </p:nvSpPr>
-        <p:spPr>
-          <a:xfrm>
-            <a:off x="381000" y="685800"/>
-            <a:ext cx="6096000" cy="3429000"/>
-          </a:xfrm>
-          <a:custGeom>
-            <a:avLst/>
-            <a:gdLst/>
-            <a:ahLst/>
-            <a:cxnLst/>
-            <a:rect l="l" t="t" r="r" b="b"/>
-            <a:pathLst>
-              <a:path w="120000" h="120000" extrusionOk="0">
-                <a:moveTo>
-                  <a:pt x="0" y="0"/>
-                </a:moveTo>
-                <a:lnTo>
-                  <a:pt x="120000" y="0"/>
-                </a:lnTo>
-                <a:lnTo>
-                  <a:pt x="120000" y="120000"/>
-                </a:lnTo>
-                <a:lnTo>
-                  <a:pt x="0" y="120000"/>
-                </a:lnTo>
-                <a:close/>
-              </a:path>
-            </a:pathLst>
-          </a:custGeom>
-        </p:spPr>
-      </p:sp>
-    </p:spTree>
-  </p:cSld>
-  <p:clrMapOvr>
-    <a:masterClrMapping/>
-  </p:clrMapOvr>
-</p:notes>
-</file>
-
-<file path=ppt/notesSlides/notesSlide17.xml><?xml version="1.0" encoding="utf-8"?>
-<p:notes xmlns:a="http://schemas.openxmlformats.org/drawingml/2006/main" xmlns:r="http://schemas.openxmlformats.org/officeDocument/2006/relationships" xmlns:p="http://schemas.openxmlformats.org/presentationml/2006/main" showMasterSp="0" showMasterPhAnim="0">
-  <p:cSld>
-    <p:spTree>
-      <p:nvGrpSpPr>
-        <p:cNvPr id="1" name="Shape 182"/>
-        <p:cNvGrpSpPr/>
-        <p:nvPr/>
-      </p:nvGrpSpPr>
-      <p:grpSpPr>
-        <a:xfrm>
-          <a:off x="0" y="0"/>
-          <a:ext cx="0" cy="0"/>
-          <a:chOff x="0" y="0"/>
-          <a:chExt cx="0" cy="0"/>
-        </a:xfrm>
-      </p:grpSpPr>
-      <p:sp>
-        <p:nvSpPr>
-          <p:cNvPr id="183" name="Google Shape;183;g5b93e47ffc_0_123:notes"/>
-          <p:cNvSpPr txBox="1">
-            <a:spLocks noGrp="1"/>
-          </p:cNvSpPr>
-          <p:nvPr>
-            <p:ph type="body" idx="1"/>
-          </p:nvPr>
-        </p:nvSpPr>
-        <p:spPr>
-          <a:xfrm>
-            <a:off x="685800" y="4343400"/>
-            <a:ext cx="5486400" cy="4114800"/>
-          </a:xfrm>
-          <a:prstGeom prst="rect">
-            <a:avLst/>
-          </a:prstGeom>
-        </p:spPr>
-        <p:txBody>
-          <a:bodyPr spcFirstLastPara="1" wrap="square" lIns="91425" tIns="91425" rIns="91425" bIns="91425" anchor="t" anchorCtr="0">
-            <a:noAutofit/>
-          </a:bodyPr>
-          <a:lstStyle/>
-          <a:p>
-            <a:pPr marL="0" lvl="0" indent="0" algn="l" rtl="0">
-              <a:spcBef>
-                <a:spcPts val="0"/>
-              </a:spcBef>
-              <a:spcAft>
-                <a:spcPts val="0"/>
-              </a:spcAft>
-              <a:buNone/>
-            </a:pPr>
-            <a:endParaRPr/>
-          </a:p>
-        </p:txBody>
-      </p:sp>
-      <p:sp>
-        <p:nvSpPr>
-          <p:cNvPr id="184" name="Google Shape;184;g5b93e47ffc_0_123:notes"/>
           <p:cNvSpPr>
             <a:spLocks noGrp="1" noRot="1" noChangeAspect="1"/>
           </p:cNvSpPr>
@@ -17699,7 +17699,7 @@
   <p:cSld>
     <p:spTree>
       <p:nvGrpSpPr>
-        <p:cNvPr id="1" name="Shape 174"/>
+        <p:cNvPr id="1" name="Shape 185"/>
         <p:cNvGrpSpPr/>
         <p:nvPr/>
       </p:nvGrpSpPr>
@@ -17713,7 +17713,7 @@
       </p:grpSpPr>
       <p:cxnSp>
         <p:nvCxnSpPr>
-          <p:cNvPr id="175" name="Google Shape;175;g5b93e47ffc_0_109"/>
+          <p:cNvPr id="186" name="Google Shape;186;g5b93e47ffc_0_123"/>
           <p:cNvCxnSpPr/>
           <p:nvPr/>
         </p:nvCxnSpPr>
@@ -17739,7 +17739,7 @@
       </p:cxnSp>
       <p:pic>
         <p:nvPicPr>
-          <p:cNvPr id="176" name="Google Shape;176;g5b93e47ffc_0_109" descr="logotipo-fatec-itapetininga-"/>
+          <p:cNvPr id="187" name="Google Shape;187;g5b93e47ffc_0_123" descr="logotipo-fatec-itapetininga-"/>
           <p:cNvPicPr preferRelativeResize="0"/>
           <p:nvPr/>
         </p:nvPicPr>
@@ -17766,7 +17766,7 @@
       </p:pic>
       <p:sp>
         <p:nvSpPr>
-          <p:cNvPr id="177" name="Google Shape;177;g5b93e47ffc_0_109"/>
+          <p:cNvPr id="188" name="Google Shape;188;g5b93e47ffc_0_123"/>
           <p:cNvSpPr/>
           <p:nvPr/>
         </p:nvSpPr>
@@ -17812,7 +17812,7 @@
       </p:sp>
       <p:pic>
         <p:nvPicPr>
-          <p:cNvPr id="178" name="Google Shape;178;g5b93e47ffc_0_109"/>
+          <p:cNvPr id="189" name="Google Shape;189;g5b93e47ffc_0_123"/>
           <p:cNvPicPr preferRelativeResize="0"/>
           <p:nvPr/>
         </p:nvPicPr>
@@ -17839,7 +17839,7 @@
       </p:pic>
       <p:pic>
         <p:nvPicPr>
-          <p:cNvPr id="179" name="Google Shape;179;g5b93e47ffc_0_109"/>
+          <p:cNvPr id="190" name="Google Shape;190;g5b93e47ffc_0_123"/>
           <p:cNvPicPr preferRelativeResize="0"/>
           <p:nvPr/>
         </p:nvPicPr>
@@ -17853,8 +17853,8 @@
         </p:blipFill>
         <p:spPr>
           <a:xfrm>
-            <a:off x="1290125" y="1298850"/>
-            <a:ext cx="2968225" cy="5268150"/>
+            <a:off x="2554488" y="1300194"/>
+            <a:ext cx="2968225" cy="5263464"/>
           </a:xfrm>
           <a:prstGeom prst="rect">
             <a:avLst/>
@@ -17867,7 +17867,7 @@
       </p:pic>
       <p:pic>
         <p:nvPicPr>
-          <p:cNvPr id="180" name="Google Shape;180;g5b93e47ffc_0_109"/>
+          <p:cNvPr id="191" name="Google Shape;191;g5b93e47ffc_0_123"/>
           <p:cNvPicPr preferRelativeResize="0"/>
           <p:nvPr/>
         </p:nvPicPr>
@@ -17881,8 +17881,8 @@
         </p:blipFill>
         <p:spPr>
           <a:xfrm>
-            <a:off x="4582575" y="1298055"/>
-            <a:ext cx="2968225" cy="5271471"/>
+            <a:off x="6593084" y="1302513"/>
+            <a:ext cx="2968225" cy="5258808"/>
           </a:xfrm>
           <a:prstGeom prst="rect">
             <a:avLst/>
@@ -17893,40 +17893,12 @@
           </a:ln>
         </p:spPr>
       </p:pic>
-      <p:pic>
-        <p:nvPicPr>
-          <p:cNvPr id="181" name="Google Shape;181;g5b93e47ffc_0_109"/>
-          <p:cNvPicPr preferRelativeResize="0"/>
-          <p:nvPr/>
-        </p:nvPicPr>
-        <p:blipFill>
-          <a:blip r:embed="rId7">
-            <a:alphaModFix/>
-          </a:blip>
-          <a:stretch>
-            <a:fillRect/>
-          </a:stretch>
-        </p:blipFill>
-        <p:spPr>
-          <a:xfrm>
-            <a:off x="7911625" y="1284594"/>
-            <a:ext cx="2968225" cy="5284882"/>
-          </a:xfrm>
-          <a:prstGeom prst="rect">
-            <a:avLst/>
-          </a:prstGeom>
-          <a:noFill/>
-          <a:ln>
-            <a:noFill/>
-          </a:ln>
-        </p:spPr>
-      </p:pic>
       <p:sp>
         <p:nvSpPr>
-          <p:cNvPr id="9" name="Google Shape;97;g5c6b059b7b_0_18">
+          <p:cNvPr id="8" name="Google Shape;97;g5c6b059b7b_0_18">
             <a:extLst>
               <a:ext uri="{FF2B5EF4-FFF2-40B4-BE49-F238E27FC236}">
-                <a16:creationId xmlns:a16="http://schemas.microsoft.com/office/drawing/2014/main" id="{5FB884D4-57F9-0742-BDCC-8CC96D7541F0}"/>
+                <a16:creationId xmlns:a16="http://schemas.microsoft.com/office/drawing/2014/main" id="{40083376-7548-B84E-AA3F-A47AD4B470AF}"/>
               </a:ext>
             </a:extLst>
           </p:cNvPr>
@@ -18227,7 +18199,7 @@
   <p:cSld>
     <p:spTree>
       <p:nvGrpSpPr>
-        <p:cNvPr id="1" name="Shape 185"/>
+        <p:cNvPr id="1" name="Shape 174"/>
         <p:cNvGrpSpPr/>
         <p:nvPr/>
       </p:nvGrpSpPr>
@@ -18241,7 +18213,7 @@
       </p:grpSpPr>
       <p:cxnSp>
         <p:nvCxnSpPr>
-          <p:cNvPr id="186" name="Google Shape;186;g5b93e47ffc_0_123"/>
+          <p:cNvPr id="175" name="Google Shape;175;g5b93e47ffc_0_109"/>
           <p:cNvCxnSpPr/>
           <p:nvPr/>
         </p:nvCxnSpPr>
@@ -18267,7 +18239,7 @@
       </p:cxnSp>
       <p:pic>
         <p:nvPicPr>
-          <p:cNvPr id="187" name="Google Shape;187;g5b93e47ffc_0_123" descr="logotipo-fatec-itapetininga-"/>
+          <p:cNvPr id="176" name="Google Shape;176;g5b93e47ffc_0_109" descr="logotipo-fatec-itapetininga-"/>
           <p:cNvPicPr preferRelativeResize="0"/>
           <p:nvPr/>
         </p:nvPicPr>
@@ -18294,7 +18266,7 @@
       </p:pic>
       <p:sp>
         <p:nvSpPr>
-          <p:cNvPr id="188" name="Google Shape;188;g5b93e47ffc_0_123"/>
+          <p:cNvPr id="177" name="Google Shape;177;g5b93e47ffc_0_109"/>
           <p:cNvSpPr/>
           <p:nvPr/>
         </p:nvSpPr>
@@ -18340,7 +18312,7 @@
       </p:sp>
       <p:pic>
         <p:nvPicPr>
-          <p:cNvPr id="189" name="Google Shape;189;g5b93e47ffc_0_123"/>
+          <p:cNvPr id="178" name="Google Shape;178;g5b93e47ffc_0_109"/>
           <p:cNvPicPr preferRelativeResize="0"/>
           <p:nvPr/>
         </p:nvPicPr>
@@ -18367,7 +18339,7 @@
       </p:pic>
       <p:pic>
         <p:nvPicPr>
-          <p:cNvPr id="190" name="Google Shape;190;g5b93e47ffc_0_123"/>
+          <p:cNvPr id="179" name="Google Shape;179;g5b93e47ffc_0_109"/>
           <p:cNvPicPr preferRelativeResize="0"/>
           <p:nvPr/>
         </p:nvPicPr>
@@ -18381,8 +18353,8 @@
         </p:blipFill>
         <p:spPr>
           <a:xfrm>
-            <a:off x="2554488" y="1300194"/>
-            <a:ext cx="2968225" cy="5263464"/>
+            <a:off x="1290125" y="1298850"/>
+            <a:ext cx="2968225" cy="5268150"/>
           </a:xfrm>
           <a:prstGeom prst="rect">
             <a:avLst/>
@@ -18395,7 +18367,7 @@
       </p:pic>
       <p:pic>
         <p:nvPicPr>
-          <p:cNvPr id="191" name="Google Shape;191;g5b93e47ffc_0_123"/>
+          <p:cNvPr id="180" name="Google Shape;180;g5b93e47ffc_0_109"/>
           <p:cNvPicPr preferRelativeResize="0"/>
           <p:nvPr/>
         </p:nvPicPr>
@@ -18409,8 +18381,8 @@
         </p:blipFill>
         <p:spPr>
           <a:xfrm>
-            <a:off x="6593084" y="1302513"/>
-            <a:ext cx="2968225" cy="5258808"/>
+            <a:off x="4582575" y="1298055"/>
+            <a:ext cx="2968225" cy="5271471"/>
           </a:xfrm>
           <a:prstGeom prst="rect">
             <a:avLst/>
@@ -18421,12 +18393,40 @@
           </a:ln>
         </p:spPr>
       </p:pic>
+      <p:pic>
+        <p:nvPicPr>
+          <p:cNvPr id="181" name="Google Shape;181;g5b93e47ffc_0_109"/>
+          <p:cNvPicPr preferRelativeResize="0"/>
+          <p:nvPr/>
+        </p:nvPicPr>
+        <p:blipFill>
+          <a:blip r:embed="rId7">
+            <a:alphaModFix/>
+          </a:blip>
+          <a:stretch>
+            <a:fillRect/>
+          </a:stretch>
+        </p:blipFill>
+        <p:spPr>
+          <a:xfrm>
+            <a:off x="7911625" y="1284594"/>
+            <a:ext cx="2968225" cy="5284882"/>
+          </a:xfrm>
+          <a:prstGeom prst="rect">
+            <a:avLst/>
+          </a:prstGeom>
+          <a:noFill/>
+          <a:ln>
+            <a:noFill/>
+          </a:ln>
+        </p:spPr>
+      </p:pic>
       <p:sp>
         <p:nvSpPr>
-          <p:cNvPr id="8" name="Google Shape;97;g5c6b059b7b_0_18">
+          <p:cNvPr id="9" name="Google Shape;97;g5c6b059b7b_0_18">
             <a:extLst>
               <a:ext uri="{FF2B5EF4-FFF2-40B4-BE49-F238E27FC236}">
-                <a16:creationId xmlns:a16="http://schemas.microsoft.com/office/drawing/2014/main" id="{40083376-7548-B84E-AA3F-A47AD4B470AF}"/>
+                <a16:creationId xmlns:a16="http://schemas.microsoft.com/office/drawing/2014/main" id="{5FB884D4-57F9-0742-BDCC-8CC96D7541F0}"/>
               </a:ext>
             </a:extLst>
           </p:cNvPr>
